--- a/lectures/week_11_model_selection/le11_assignment.pptx
+++ b/lectures/week_11_model_selection/le11_assignment.pptx
@@ -5,8 +5,8 @@
     <p:sldMasterId id="2147483648" r:id="rId1"/>
   </p:sldMasterIdLst>
   <p:sldIdLst>
-    <p:sldId id="257" r:id="rId2"/>
-    <p:sldId id="258" r:id="rId3"/>
+    <p:sldId id="258" r:id="rId2"/>
+    <p:sldId id="257" r:id="rId3"/>
   </p:sldIdLst>
   <p:sldSz cx="12192000" cy="6858000"/>
   <p:notesSz cx="6858000" cy="9144000"/>
@@ -242,7 +242,7 @@
           <a:p>
             <a:fld id="{272F3363-993E-4E40-AB86-43582E14989C}" type="datetimeFigureOut">
               <a:rPr lang="en-US" smtClean="0"/>
-              <a:t>4/16/20</a:t>
+              <a:t>4/1/21</a:t>
             </a:fld>
             <a:endParaRPr lang="en-US"/>
           </a:p>
@@ -410,7 +410,7 @@
           <a:p>
             <a:fld id="{272F3363-993E-4E40-AB86-43582E14989C}" type="datetimeFigureOut">
               <a:rPr lang="en-US" smtClean="0"/>
-              <a:t>4/16/20</a:t>
+              <a:t>4/1/21</a:t>
             </a:fld>
             <a:endParaRPr lang="en-US"/>
           </a:p>
@@ -588,7 +588,7 @@
           <a:p>
             <a:fld id="{272F3363-993E-4E40-AB86-43582E14989C}" type="datetimeFigureOut">
               <a:rPr lang="en-US" smtClean="0"/>
-              <a:t>4/16/20</a:t>
+              <a:t>4/1/21</a:t>
             </a:fld>
             <a:endParaRPr lang="en-US"/>
           </a:p>
@@ -756,7 +756,7 @@
           <a:p>
             <a:fld id="{272F3363-993E-4E40-AB86-43582E14989C}" type="datetimeFigureOut">
               <a:rPr lang="en-US" smtClean="0"/>
-              <a:t>4/16/20</a:t>
+              <a:t>4/1/21</a:t>
             </a:fld>
             <a:endParaRPr lang="en-US"/>
           </a:p>
@@ -1001,7 +1001,7 @@
           <a:p>
             <a:fld id="{272F3363-993E-4E40-AB86-43582E14989C}" type="datetimeFigureOut">
               <a:rPr lang="en-US" smtClean="0"/>
-              <a:t>4/16/20</a:t>
+              <a:t>4/1/21</a:t>
             </a:fld>
             <a:endParaRPr lang="en-US"/>
           </a:p>
@@ -1230,7 +1230,7 @@
           <a:p>
             <a:fld id="{272F3363-993E-4E40-AB86-43582E14989C}" type="datetimeFigureOut">
               <a:rPr lang="en-US" smtClean="0"/>
-              <a:t>4/16/20</a:t>
+              <a:t>4/1/21</a:t>
             </a:fld>
             <a:endParaRPr lang="en-US"/>
           </a:p>
@@ -1594,7 +1594,7 @@
           <a:p>
             <a:fld id="{272F3363-993E-4E40-AB86-43582E14989C}" type="datetimeFigureOut">
               <a:rPr lang="en-US" smtClean="0"/>
-              <a:t>4/16/20</a:t>
+              <a:t>4/1/21</a:t>
             </a:fld>
             <a:endParaRPr lang="en-US"/>
           </a:p>
@@ -1711,7 +1711,7 @@
           <a:p>
             <a:fld id="{272F3363-993E-4E40-AB86-43582E14989C}" type="datetimeFigureOut">
               <a:rPr lang="en-US" smtClean="0"/>
-              <a:t>4/16/20</a:t>
+              <a:t>4/1/21</a:t>
             </a:fld>
             <a:endParaRPr lang="en-US"/>
           </a:p>
@@ -1806,7 +1806,7 @@
           <a:p>
             <a:fld id="{272F3363-993E-4E40-AB86-43582E14989C}" type="datetimeFigureOut">
               <a:rPr lang="en-US" smtClean="0"/>
-              <a:t>4/16/20</a:t>
+              <a:t>4/1/21</a:t>
             </a:fld>
             <a:endParaRPr lang="en-US"/>
           </a:p>
@@ -2081,7 +2081,7 @@
           <a:p>
             <a:fld id="{272F3363-993E-4E40-AB86-43582E14989C}" type="datetimeFigureOut">
               <a:rPr lang="en-US" smtClean="0"/>
-              <a:t>4/16/20</a:t>
+              <a:t>4/1/21</a:t>
             </a:fld>
             <a:endParaRPr lang="en-US"/>
           </a:p>
@@ -2333,7 +2333,7 @@
           <a:p>
             <a:fld id="{272F3363-993E-4E40-AB86-43582E14989C}" type="datetimeFigureOut">
               <a:rPr lang="en-US" smtClean="0"/>
-              <a:t>4/16/20</a:t>
+              <a:t>4/1/21</a:t>
             </a:fld>
             <a:endParaRPr lang="en-US"/>
           </a:p>
@@ -2544,7 +2544,7 @@
           <a:p>
             <a:fld id="{272F3363-993E-4E40-AB86-43582E14989C}" type="datetimeFigureOut">
               <a:rPr lang="en-US" smtClean="0"/>
-              <a:t>4/16/20</a:t>
+              <a:t>4/1/21</a:t>
             </a:fld>
             <a:endParaRPr lang="en-US"/>
           </a:p>
@@ -2966,7 +2966,15 @@
           <a:p>
             <a:r>
               <a:rPr lang="en-US" dirty="0"/>
-              <a:t>Assignment</a:t>
+              <a:t>Survey and Bad </a:t>
+            </a:r>
+            <a:r>
+              <a:rPr lang="en-US" dirty="0" err="1"/>
+              <a:t>ggplots</a:t>
+            </a:r>
+            <a:r>
+              <a:rPr lang="en-US" dirty="0"/>
+              <a:t> contest 	</a:t>
             </a:r>
           </a:p>
         </p:txBody>
@@ -2981,99 +2989,40 @@
             <p:ph idx="1"/>
           </p:nvPr>
         </p:nvSpPr>
-        <p:spPr>
-          <a:xfrm>
-            <a:off x="838200" y="1427967"/>
-            <a:ext cx="10515600" cy="4748996"/>
-          </a:xfrm>
-        </p:spPr>
-        <p:txBody>
-          <a:bodyPr>
-            <a:normAutofit fontScale="77500" lnSpcReduction="20000"/>
-          </a:bodyPr>
-          <a:lstStyle/>
-          <a:p>
-            <a:pPr marL="514350" indent="-514350">
-              <a:buAutoNum type="arabicPeriod"/>
-            </a:pPr>
+        <p:spPr/>
+        <p:txBody>
+          <a:bodyPr/>
+          <a:lstStyle/>
+          <a:p>
             <a:r>
               <a:rPr lang="en-US" dirty="0"/>
-              <a:t>Use likelihood ratio tests and one other model selection approach to test at least 3 models of your data.</a:t>
-            </a:r>
-          </a:p>
-          <a:p>
-            <a:pPr lvl="1"/>
+              <a:t>Please remember to take the survey</a:t>
+            </a:r>
+          </a:p>
+          <a:p>
+            <a:endParaRPr lang="en-US" dirty="0"/>
+          </a:p>
+          <a:p>
             <a:r>
               <a:rPr lang="en-US" dirty="0"/>
-              <a:t>The models can be LMs or GLMs that you have already tested.</a:t>
-            </a:r>
-          </a:p>
-          <a:p>
-            <a:pPr marL="514350" indent="-514350">
-              <a:buAutoNum type="arabicPeriod"/>
-            </a:pPr>
+              <a:t>You can find the link in the “assignments” section</a:t>
+            </a:r>
+          </a:p>
+          <a:p>
             <a:endParaRPr lang="en-US" dirty="0"/>
           </a:p>
           <a:p>
-            <a:pPr marL="514350" indent="-514350">
-              <a:buAutoNum type="arabicPeriod"/>
-            </a:pPr>
             <a:r>
               <a:rPr lang="en-US" dirty="0"/>
-              <a:t>Explain what the results are telling you for each approach.</a:t>
-            </a:r>
-          </a:p>
-          <a:p>
-            <a:pPr marL="514350" indent="-514350">
-              <a:buAutoNum type="arabicPeriod"/>
-            </a:pPr>
-            <a:endParaRPr lang="en-US" dirty="0"/>
-          </a:p>
-          <a:p>
-            <a:pPr marL="514350" indent="-514350">
-              <a:buAutoNum type="arabicPeriod"/>
-            </a:pPr>
+              <a:t>Please submit something for the bad </a:t>
+            </a:r>
+            <a:r>
+              <a:rPr lang="en-US" dirty="0" err="1"/>
+              <a:t>ggplots</a:t>
+            </a:r>
             <a:r>
               <a:rPr lang="en-US" dirty="0"/>
-              <a:t>Include a synthesis statement on how the output of each approach is similar or different in your code. Remember to update your README and annotate your code.</a:t>
-            </a:r>
-            <a:br>
-              <a:rPr lang="en-US" dirty="0"/>
-            </a:br>
-            <a:endParaRPr lang="en-US" dirty="0"/>
-          </a:p>
-          <a:p>
-            <a:pPr marL="0" indent="0">
-              <a:buNone/>
-            </a:pPr>
-            <a:r>
-              <a:rPr lang="en-US" dirty="0"/>
-              <a:t>Very advanced:</a:t>
-            </a:r>
-          </a:p>
-          <a:p>
-            <a:pPr marL="0" indent="0">
-              <a:buNone/>
-            </a:pPr>
-            <a:r>
-              <a:rPr lang="en-US" dirty="0"/>
-              <a:t>4. Use 5 fold cross validation to test predictive accuracy of your model. </a:t>
-            </a:r>
-            <a:br>
-              <a:rPr lang="en-US" dirty="0"/>
-            </a:br>
-            <a:r>
-              <a:rPr lang="en-US" dirty="0"/>
-              <a:t> </a:t>
-            </a:r>
-          </a:p>
-          <a:p>
-            <a:pPr marL="0" indent="0">
-              <a:buNone/>
-            </a:pPr>
-            <a:r>
-              <a:rPr lang="en-US" dirty="0"/>
-              <a:t>Hand in this assignment with GLMs (last week) and make sure to include your results statement as a separate word doc uploaded to canvas. </a:t>
+              <a:t> contest!</a:t>
             </a:r>
           </a:p>
         </p:txBody>
@@ -3081,7 +3030,7 @@
     </p:spTree>
     <p:extLst>
       <p:ext uri="{BB962C8B-B14F-4D97-AF65-F5344CB8AC3E}">
-        <p14:creationId xmlns:p14="http://schemas.microsoft.com/office/powerpoint/2010/main" val="1395082030"/>
+        <p14:creationId xmlns:p14="http://schemas.microsoft.com/office/powerpoint/2010/main" val="1661659368"/>
       </p:ext>
     </p:extLst>
   </p:cSld>
@@ -3125,7 +3074,7 @@
           <a:p>
             <a:r>
               <a:rPr lang="en-US" dirty="0"/>
-              <a:t>Survey 	</a:t>
+              <a:t>Assignment</a:t>
             </a:r>
           </a:p>
         </p:txBody>
@@ -3140,23 +3089,99 @@
             <p:ph idx="1"/>
           </p:nvPr>
         </p:nvSpPr>
-        <p:spPr/>
-        <p:txBody>
-          <a:bodyPr/>
-          <a:lstStyle/>
-          <a:p>
+        <p:spPr>
+          <a:xfrm>
+            <a:off x="838200" y="1427967"/>
+            <a:ext cx="10515600" cy="4748996"/>
+          </a:xfrm>
+        </p:spPr>
+        <p:txBody>
+          <a:bodyPr>
+            <a:normAutofit fontScale="77500" lnSpcReduction="20000"/>
+          </a:bodyPr>
+          <a:lstStyle/>
+          <a:p>
+            <a:pPr marL="514350" indent="-514350">
+              <a:buAutoNum type="arabicPeriod"/>
+            </a:pPr>
             <a:r>
               <a:rPr lang="en-US" dirty="0"/>
-              <a:t>Please remember to take the survey</a:t>
-            </a:r>
-          </a:p>
-          <a:p>
+              <a:t>Use likelihood ratio tests and one other model selection approach to test at least 3 models of your data.</a:t>
+            </a:r>
+          </a:p>
+          <a:p>
+            <a:pPr lvl="1"/>
+            <a:r>
+              <a:rPr lang="en-US" dirty="0"/>
+              <a:t>The models can be LMs or GLMs that you have already tested.</a:t>
+            </a:r>
+          </a:p>
+          <a:p>
+            <a:pPr marL="514350" indent="-514350">
+              <a:buAutoNum type="arabicPeriod"/>
+            </a:pPr>
             <a:endParaRPr lang="en-US" dirty="0"/>
           </a:p>
           <a:p>
+            <a:pPr marL="514350" indent="-514350">
+              <a:buAutoNum type="arabicPeriod"/>
+            </a:pPr>
             <a:r>
               <a:rPr lang="en-US" dirty="0"/>
-              <a:t>You can find the link in the “assignments” section</a:t>
+              <a:t>Explain what the results are telling you for each approach.</a:t>
+            </a:r>
+          </a:p>
+          <a:p>
+            <a:pPr marL="514350" indent="-514350">
+              <a:buAutoNum type="arabicPeriod"/>
+            </a:pPr>
+            <a:endParaRPr lang="en-US" dirty="0"/>
+          </a:p>
+          <a:p>
+            <a:pPr marL="514350" indent="-514350">
+              <a:buAutoNum type="arabicPeriod"/>
+            </a:pPr>
+            <a:r>
+              <a:rPr lang="en-US" dirty="0"/>
+              <a:t>Include a synthesis statement on how the output of each approach is similar or different in your code. Remember to update your README and annotate your code.</a:t>
+            </a:r>
+            <a:br>
+              <a:rPr lang="en-US" dirty="0"/>
+            </a:br>
+            <a:endParaRPr lang="en-US" dirty="0"/>
+          </a:p>
+          <a:p>
+            <a:pPr marL="0" indent="0">
+              <a:buNone/>
+            </a:pPr>
+            <a:r>
+              <a:rPr lang="en-US" dirty="0"/>
+              <a:t>Very advanced:</a:t>
+            </a:r>
+          </a:p>
+          <a:p>
+            <a:pPr marL="0" indent="0">
+              <a:buNone/>
+            </a:pPr>
+            <a:r>
+              <a:rPr lang="en-US" dirty="0"/>
+              <a:t>4. Use 5 fold cross validation to test predictive accuracy of your model. </a:t>
+            </a:r>
+            <a:br>
+              <a:rPr lang="en-US" dirty="0"/>
+            </a:br>
+            <a:r>
+              <a:rPr lang="en-US" dirty="0"/>
+              <a:t> </a:t>
+            </a:r>
+          </a:p>
+          <a:p>
+            <a:pPr marL="0" indent="0">
+              <a:buNone/>
+            </a:pPr>
+            <a:r>
+              <a:rPr lang="en-US" dirty="0"/>
+              <a:t>Hand in this assignment with GLMs (last week) and make sure to include your results statement as a separate word doc uploaded to canvas. </a:t>
             </a:r>
           </a:p>
         </p:txBody>
@@ -3164,7 +3189,7 @@
     </p:spTree>
     <p:extLst>
       <p:ext uri="{BB962C8B-B14F-4D97-AF65-F5344CB8AC3E}">
-        <p14:creationId xmlns:p14="http://schemas.microsoft.com/office/powerpoint/2010/main" val="1661659368"/>
+        <p14:creationId xmlns:p14="http://schemas.microsoft.com/office/powerpoint/2010/main" val="1395082030"/>
       </p:ext>
     </p:extLst>
   </p:cSld>

--- a/lectures/week_11_model_selection/le11_assignment.pptx
+++ b/lectures/week_11_model_selection/le11_assignment.pptx
@@ -6,7 +6,8 @@
   </p:sldMasterIdLst>
   <p:sldIdLst>
     <p:sldId id="258" r:id="rId2"/>
-    <p:sldId id="257" r:id="rId3"/>
+    <p:sldId id="259" r:id="rId3"/>
+    <p:sldId id="257" r:id="rId4"/>
   </p:sldIdLst>
   <p:sldSz cx="12192000" cy="6858000"/>
   <p:notesSz cx="6858000" cy="9144000"/>
@@ -242,7 +243,7 @@
           <a:p>
             <a:fld id="{272F3363-993E-4E40-AB86-43582E14989C}" type="datetimeFigureOut">
               <a:rPr lang="en-US" smtClean="0"/>
-              <a:t>4/1/21</a:t>
+              <a:t>4/6/22</a:t>
             </a:fld>
             <a:endParaRPr lang="en-US"/>
           </a:p>
@@ -410,7 +411,7 @@
           <a:p>
             <a:fld id="{272F3363-993E-4E40-AB86-43582E14989C}" type="datetimeFigureOut">
               <a:rPr lang="en-US" smtClean="0"/>
-              <a:t>4/1/21</a:t>
+              <a:t>4/6/22</a:t>
             </a:fld>
             <a:endParaRPr lang="en-US"/>
           </a:p>
@@ -588,7 +589,7 @@
           <a:p>
             <a:fld id="{272F3363-993E-4E40-AB86-43582E14989C}" type="datetimeFigureOut">
               <a:rPr lang="en-US" smtClean="0"/>
-              <a:t>4/1/21</a:t>
+              <a:t>4/6/22</a:t>
             </a:fld>
             <a:endParaRPr lang="en-US"/>
           </a:p>
@@ -756,7 +757,7 @@
           <a:p>
             <a:fld id="{272F3363-993E-4E40-AB86-43582E14989C}" type="datetimeFigureOut">
               <a:rPr lang="en-US" smtClean="0"/>
-              <a:t>4/1/21</a:t>
+              <a:t>4/6/22</a:t>
             </a:fld>
             <a:endParaRPr lang="en-US"/>
           </a:p>
@@ -1001,7 +1002,7 @@
           <a:p>
             <a:fld id="{272F3363-993E-4E40-AB86-43582E14989C}" type="datetimeFigureOut">
               <a:rPr lang="en-US" smtClean="0"/>
-              <a:t>4/1/21</a:t>
+              <a:t>4/6/22</a:t>
             </a:fld>
             <a:endParaRPr lang="en-US"/>
           </a:p>
@@ -1230,7 +1231,7 @@
           <a:p>
             <a:fld id="{272F3363-993E-4E40-AB86-43582E14989C}" type="datetimeFigureOut">
               <a:rPr lang="en-US" smtClean="0"/>
-              <a:t>4/1/21</a:t>
+              <a:t>4/6/22</a:t>
             </a:fld>
             <a:endParaRPr lang="en-US"/>
           </a:p>
@@ -1594,7 +1595,7 @@
           <a:p>
             <a:fld id="{272F3363-993E-4E40-AB86-43582E14989C}" type="datetimeFigureOut">
               <a:rPr lang="en-US" smtClean="0"/>
-              <a:t>4/1/21</a:t>
+              <a:t>4/6/22</a:t>
             </a:fld>
             <a:endParaRPr lang="en-US"/>
           </a:p>
@@ -1711,7 +1712,7 @@
           <a:p>
             <a:fld id="{272F3363-993E-4E40-AB86-43582E14989C}" type="datetimeFigureOut">
               <a:rPr lang="en-US" smtClean="0"/>
-              <a:t>4/1/21</a:t>
+              <a:t>4/6/22</a:t>
             </a:fld>
             <a:endParaRPr lang="en-US"/>
           </a:p>
@@ -1806,7 +1807,7 @@
           <a:p>
             <a:fld id="{272F3363-993E-4E40-AB86-43582E14989C}" type="datetimeFigureOut">
               <a:rPr lang="en-US" smtClean="0"/>
-              <a:t>4/1/21</a:t>
+              <a:t>4/6/22</a:t>
             </a:fld>
             <a:endParaRPr lang="en-US"/>
           </a:p>
@@ -2081,7 +2082,7 @@
           <a:p>
             <a:fld id="{272F3363-993E-4E40-AB86-43582E14989C}" type="datetimeFigureOut">
               <a:rPr lang="en-US" smtClean="0"/>
-              <a:t>4/1/21</a:t>
+              <a:t>4/6/22</a:t>
             </a:fld>
             <a:endParaRPr lang="en-US"/>
           </a:p>
@@ -2333,7 +2334,7 @@
           <a:p>
             <a:fld id="{272F3363-993E-4E40-AB86-43582E14989C}" type="datetimeFigureOut">
               <a:rPr lang="en-US" smtClean="0"/>
-              <a:t>4/1/21</a:t>
+              <a:t>4/6/22</a:t>
             </a:fld>
             <a:endParaRPr lang="en-US"/>
           </a:p>
@@ -2544,7 +2545,7 @@
           <a:p>
             <a:fld id="{272F3363-993E-4E40-AB86-43582E14989C}" type="datetimeFigureOut">
               <a:rPr lang="en-US" smtClean="0"/>
-              <a:t>4/1/21</a:t>
+              <a:t>4/6/22</a:t>
             </a:fld>
             <a:endParaRPr lang="en-US"/>
           </a:p>
@@ -2966,15 +2967,7 @@
           <a:p>
             <a:r>
               <a:rPr lang="en-US" dirty="0"/>
-              <a:t>Survey and Bad </a:t>
-            </a:r>
-            <a:r>
-              <a:rPr lang="en-US" dirty="0" err="1"/>
-              <a:t>ggplots</a:t>
-            </a:r>
-            <a:r>
-              <a:rPr lang="en-US" dirty="0"/>
-              <a:t> contest 	</a:t>
+              <a:t>Survey and project reminders	</a:t>
             </a:r>
           </a:p>
         </p:txBody>
@@ -3014,15 +3007,7 @@
           <a:p>
             <a:r>
               <a:rPr lang="en-US" dirty="0"/>
-              <a:t>Please submit something for the bad </a:t>
-            </a:r>
-            <a:r>
-              <a:rPr lang="en-US" dirty="0" err="1"/>
-              <a:t>ggplots</a:t>
-            </a:r>
-            <a:r>
-              <a:rPr lang="en-US" dirty="0"/>
-              <a:t> contest!</a:t>
+              <a:t>Now is the time to start making progress on your final project</a:t>
             </a:r>
           </a:p>
         </p:txBody>
@@ -3041,6 +3026,122 @@
 </file>
 
 <file path=ppt/slides/slide2.xml><?xml version="1.0" encoding="utf-8"?>
+<p:sld xmlns:a="http://schemas.openxmlformats.org/drawingml/2006/main" xmlns:r="http://schemas.openxmlformats.org/officeDocument/2006/relationships" xmlns:p="http://schemas.openxmlformats.org/presentationml/2006/main">
+  <p:cSld>
+    <p:spTree>
+      <p:nvGrpSpPr>
+        <p:cNvPr id="1" name=""/>
+        <p:cNvGrpSpPr/>
+        <p:nvPr/>
+      </p:nvGrpSpPr>
+      <p:grpSpPr>
+        <a:xfrm>
+          <a:off x="0" y="0"/>
+          <a:ext cx="0" cy="0"/>
+          <a:chOff x="0" y="0"/>
+          <a:chExt cx="0" cy="0"/>
+        </a:xfrm>
+      </p:grpSpPr>
+      <p:sp>
+        <p:nvSpPr>
+          <p:cNvPr id="2" name="Title 1">
+            <a:extLst>
+              <a:ext uri="{FF2B5EF4-FFF2-40B4-BE49-F238E27FC236}">
+                <a16:creationId xmlns:a16="http://schemas.microsoft.com/office/drawing/2014/main" id="{821AE047-3A37-1C48-B6ED-8CF17E084914}"/>
+              </a:ext>
+            </a:extLst>
+          </p:cNvPr>
+          <p:cNvSpPr>
+            <a:spLocks noGrp="1"/>
+          </p:cNvSpPr>
+          <p:nvPr>
+            <p:ph type="title"/>
+          </p:nvPr>
+        </p:nvSpPr>
+        <p:spPr/>
+        <p:txBody>
+          <a:bodyPr/>
+          <a:lstStyle/>
+          <a:p>
+            <a:r>
+              <a:rPr lang="en-US" dirty="0"/>
+              <a:t>Suggested timeline</a:t>
+            </a:r>
+          </a:p>
+        </p:txBody>
+      </p:sp>
+      <p:sp>
+        <p:nvSpPr>
+          <p:cNvPr id="3" name="Content Placeholder 2">
+            <a:extLst>
+              <a:ext uri="{FF2B5EF4-FFF2-40B4-BE49-F238E27FC236}">
+                <a16:creationId xmlns:a16="http://schemas.microsoft.com/office/drawing/2014/main" id="{65C2D9FF-6B45-C34F-9D4F-CD4AA1024520}"/>
+              </a:ext>
+            </a:extLst>
+          </p:cNvPr>
+          <p:cNvSpPr>
+            <a:spLocks noGrp="1"/>
+          </p:cNvSpPr>
+          <p:nvPr>
+            <p:ph idx="1"/>
+          </p:nvPr>
+        </p:nvSpPr>
+        <p:spPr/>
+        <p:txBody>
+          <a:bodyPr/>
+          <a:lstStyle/>
+          <a:p>
+            <a:r>
+              <a:rPr lang="en-US" dirty="0"/>
+              <a:t>Week 10 (Last week): Begin crafting analysis to include in your results section</a:t>
+            </a:r>
+          </a:p>
+          <a:p>
+            <a:r>
+              <a:rPr lang="en-US" dirty="0"/>
+              <a:t>Week 11: Start drafting results (figures, captions), outline text for other sections</a:t>
+            </a:r>
+          </a:p>
+          <a:p>
+            <a:r>
+              <a:rPr lang="en-US" dirty="0"/>
+              <a:t>Week 12 (next week): finish graphs and draft abstract</a:t>
+            </a:r>
+          </a:p>
+          <a:p>
+            <a:r>
+              <a:rPr lang="en-US" dirty="0"/>
+              <a:t>Week 13: finalize content you want for peer review, reach out to Kate if you need help</a:t>
+            </a:r>
+          </a:p>
+          <a:p>
+            <a:r>
+              <a:rPr lang="en-US" dirty="0"/>
+              <a:t>Week 14: Integrate comments from peer review and finalize draft</a:t>
+            </a:r>
+          </a:p>
+          <a:p>
+            <a:r>
+              <a:rPr lang="en-US" dirty="0"/>
+              <a:t>Week 15: hand in final project on Wednesday</a:t>
+            </a:r>
+          </a:p>
+        </p:txBody>
+      </p:sp>
+    </p:spTree>
+    <p:extLst>
+      <p:ext uri="{BB962C8B-B14F-4D97-AF65-F5344CB8AC3E}">
+        <p14:creationId xmlns:p14="http://schemas.microsoft.com/office/powerpoint/2010/main" val="3779505582"/>
+      </p:ext>
+    </p:extLst>
+  </p:cSld>
+  <p:clrMapOvr>
+    <a:masterClrMapping/>
+  </p:clrMapOvr>
+</p:sld>
+</file>
+
+<file path=ppt/slides/slide3.xml><?xml version="1.0" encoding="utf-8"?>
 <p:sld xmlns:a="http://schemas.openxmlformats.org/drawingml/2006/main" xmlns:r="http://schemas.openxmlformats.org/officeDocument/2006/relationships" xmlns:p="http://schemas.openxmlformats.org/presentationml/2006/main">
   <p:cSld>
     <p:spTree>

--- a/lectures/week_11_model_selection/le11_assignment.pptx
+++ b/lectures/week_11_model_selection/le11_assignment.pptx
@@ -6,8 +6,9 @@
   </p:sldMasterIdLst>
   <p:sldIdLst>
     <p:sldId id="258" r:id="rId2"/>
-    <p:sldId id="259" r:id="rId3"/>
-    <p:sldId id="257" r:id="rId4"/>
+    <p:sldId id="264" r:id="rId3"/>
+    <p:sldId id="259" r:id="rId4"/>
+    <p:sldId id="257" r:id="rId5"/>
   </p:sldIdLst>
   <p:sldSz cx="12192000" cy="6858000"/>
   <p:notesSz cx="6858000" cy="9144000"/>
@@ -243,7 +244,7 @@
           <a:p>
             <a:fld id="{272F3363-993E-4E40-AB86-43582E14989C}" type="datetimeFigureOut">
               <a:rPr lang="en-US" smtClean="0"/>
-              <a:t>4/6/22</a:t>
+              <a:t>4/6/23</a:t>
             </a:fld>
             <a:endParaRPr lang="en-US"/>
           </a:p>
@@ -411,7 +412,7 @@
           <a:p>
             <a:fld id="{272F3363-993E-4E40-AB86-43582E14989C}" type="datetimeFigureOut">
               <a:rPr lang="en-US" smtClean="0"/>
-              <a:t>4/6/22</a:t>
+              <a:t>4/6/23</a:t>
             </a:fld>
             <a:endParaRPr lang="en-US"/>
           </a:p>
@@ -589,7 +590,7 @@
           <a:p>
             <a:fld id="{272F3363-993E-4E40-AB86-43582E14989C}" type="datetimeFigureOut">
               <a:rPr lang="en-US" smtClean="0"/>
-              <a:t>4/6/22</a:t>
+              <a:t>4/6/23</a:t>
             </a:fld>
             <a:endParaRPr lang="en-US"/>
           </a:p>
@@ -757,7 +758,7 @@
           <a:p>
             <a:fld id="{272F3363-993E-4E40-AB86-43582E14989C}" type="datetimeFigureOut">
               <a:rPr lang="en-US" smtClean="0"/>
-              <a:t>4/6/22</a:t>
+              <a:t>4/6/23</a:t>
             </a:fld>
             <a:endParaRPr lang="en-US"/>
           </a:p>
@@ -1002,7 +1003,7 @@
           <a:p>
             <a:fld id="{272F3363-993E-4E40-AB86-43582E14989C}" type="datetimeFigureOut">
               <a:rPr lang="en-US" smtClean="0"/>
-              <a:t>4/6/22</a:t>
+              <a:t>4/6/23</a:t>
             </a:fld>
             <a:endParaRPr lang="en-US"/>
           </a:p>
@@ -1231,7 +1232,7 @@
           <a:p>
             <a:fld id="{272F3363-993E-4E40-AB86-43582E14989C}" type="datetimeFigureOut">
               <a:rPr lang="en-US" smtClean="0"/>
-              <a:t>4/6/22</a:t>
+              <a:t>4/6/23</a:t>
             </a:fld>
             <a:endParaRPr lang="en-US"/>
           </a:p>
@@ -1595,7 +1596,7 @@
           <a:p>
             <a:fld id="{272F3363-993E-4E40-AB86-43582E14989C}" type="datetimeFigureOut">
               <a:rPr lang="en-US" smtClean="0"/>
-              <a:t>4/6/22</a:t>
+              <a:t>4/6/23</a:t>
             </a:fld>
             <a:endParaRPr lang="en-US"/>
           </a:p>
@@ -1712,7 +1713,7 @@
           <a:p>
             <a:fld id="{272F3363-993E-4E40-AB86-43582E14989C}" type="datetimeFigureOut">
               <a:rPr lang="en-US" smtClean="0"/>
-              <a:t>4/6/22</a:t>
+              <a:t>4/6/23</a:t>
             </a:fld>
             <a:endParaRPr lang="en-US"/>
           </a:p>
@@ -1807,7 +1808,7 @@
           <a:p>
             <a:fld id="{272F3363-993E-4E40-AB86-43582E14989C}" type="datetimeFigureOut">
               <a:rPr lang="en-US" smtClean="0"/>
-              <a:t>4/6/22</a:t>
+              <a:t>4/6/23</a:t>
             </a:fld>
             <a:endParaRPr lang="en-US"/>
           </a:p>
@@ -2082,7 +2083,7 @@
           <a:p>
             <a:fld id="{272F3363-993E-4E40-AB86-43582E14989C}" type="datetimeFigureOut">
               <a:rPr lang="en-US" smtClean="0"/>
-              <a:t>4/6/22</a:t>
+              <a:t>4/6/23</a:t>
             </a:fld>
             <a:endParaRPr lang="en-US"/>
           </a:p>
@@ -2334,7 +2335,7 @@
           <a:p>
             <a:fld id="{272F3363-993E-4E40-AB86-43582E14989C}" type="datetimeFigureOut">
               <a:rPr lang="en-US" smtClean="0"/>
-              <a:t>4/6/22</a:t>
+              <a:t>4/6/23</a:t>
             </a:fld>
             <a:endParaRPr lang="en-US"/>
           </a:p>
@@ -2545,7 +2546,7 @@
           <a:p>
             <a:fld id="{272F3363-993E-4E40-AB86-43582E14989C}" type="datetimeFigureOut">
               <a:rPr lang="en-US" smtClean="0"/>
-              <a:t>4/6/22</a:t>
+              <a:t>4/6/23</a:t>
             </a:fld>
             <a:endParaRPr lang="en-US"/>
           </a:p>
@@ -3044,13 +3045,7 @@
       </p:grpSpPr>
       <p:sp>
         <p:nvSpPr>
-          <p:cNvPr id="2" name="Title 1">
-            <a:extLst>
-              <a:ext uri="{FF2B5EF4-FFF2-40B4-BE49-F238E27FC236}">
-                <a16:creationId xmlns:a16="http://schemas.microsoft.com/office/drawing/2014/main" id="{821AE047-3A37-1C48-B6ED-8CF17E084914}"/>
-              </a:ext>
-            </a:extLst>
-          </p:cNvPr>
+          <p:cNvPr id="2" name="Title 1"/>
           <p:cNvSpPr>
             <a:spLocks noGrp="1"/>
           </p:cNvSpPr>
@@ -3065,20 +3060,14 @@
           <a:p>
             <a:r>
               <a:rPr lang="en-US" dirty="0"/>
-              <a:t>Suggested timeline</a:t>
-            </a:r>
-          </a:p>
-        </p:txBody>
-      </p:sp>
-      <p:sp>
-        <p:nvSpPr>
-          <p:cNvPr id="3" name="Content Placeholder 2">
-            <a:extLst>
-              <a:ext uri="{FF2B5EF4-FFF2-40B4-BE49-F238E27FC236}">
-                <a16:creationId xmlns:a16="http://schemas.microsoft.com/office/drawing/2014/main" id="{65C2D9FF-6B45-C34F-9D4F-CD4AA1024520}"/>
-              </a:ext>
-            </a:extLst>
-          </p:cNvPr>
+              <a:t>Final Project</a:t>
+            </a:r>
+          </a:p>
+        </p:txBody>
+      </p:sp>
+      <p:sp>
+        <p:nvSpPr>
+          <p:cNvPr id="3" name="Content Placeholder 2"/>
           <p:cNvSpPr>
             <a:spLocks noGrp="1"/>
           </p:cNvSpPr>
@@ -3086,52 +3075,93 @@
             <p:ph idx="1"/>
           </p:nvPr>
         </p:nvSpPr>
-        <p:spPr/>
-        <p:txBody>
-          <a:bodyPr/>
+        <p:spPr>
+          <a:xfrm>
+            <a:off x="838200" y="1382751"/>
+            <a:ext cx="10515600" cy="4794212"/>
+          </a:xfrm>
+        </p:spPr>
+        <p:txBody>
+          <a:bodyPr>
+            <a:normAutofit/>
+          </a:bodyPr>
           <a:lstStyle/>
           <a:p>
             <a:r>
               <a:rPr lang="en-US" dirty="0"/>
-              <a:t>Week 10 (Last week): Begin crafting analysis to include in your results section</a:t>
-            </a:r>
-          </a:p>
-          <a:p>
+              <a:t>Your final project is due on </a:t>
+            </a:r>
+            <a:r>
+              <a:rPr lang="en-US" b="1" dirty="0"/>
+              <a:t>Wed May 03 </a:t>
+            </a:r>
             <a:r>
               <a:rPr lang="en-US" dirty="0"/>
-              <a:t>Week 11: Start drafting results (figures, captions), outline text for other sections</a:t>
+              <a:t>by midnight. </a:t>
             </a:r>
           </a:p>
           <a:p>
             <a:r>
               <a:rPr lang="en-US" dirty="0"/>
-              <a:t>Week 12 (next week): finish graphs and draft abstract</a:t>
-            </a:r>
-          </a:p>
-          <a:p>
+              <a:t>On </a:t>
+            </a:r>
+            <a:r>
+              <a:rPr lang="en-US" b="1" u="sng" dirty="0"/>
+              <a:t>Tues Apr 18</a:t>
+            </a:r>
+            <a:r>
+              <a:rPr lang="en-US" u="sng" dirty="0"/>
+              <a:t> </a:t>
+            </a:r>
             <a:r>
               <a:rPr lang="en-US" dirty="0"/>
-              <a:t>Week 13: finalize content you want for peer review, reach out to Kate if you need help</a:t>
-            </a:r>
-          </a:p>
-          <a:p>
+              <a:t> you need to talk to me about your x </a:t>
+            </a:r>
+            <a:r>
+              <a:rPr lang="en-US" dirty="0" err="1"/>
+              <a:t>vars</a:t>
+            </a:r>
             <a:r>
               <a:rPr lang="en-US" dirty="0"/>
-              <a:t>Week 14: Integrate comments from peer review and finalize draft</a:t>
-            </a:r>
-          </a:p>
-          <a:p>
+              <a:t>, y </a:t>
+            </a:r>
+            <a:r>
+              <a:rPr lang="en-US" dirty="0" err="1"/>
+              <a:t>vars</a:t>
+            </a:r>
             <a:r>
               <a:rPr lang="en-US" dirty="0"/>
-              <a:t>Week 15: hand in final project on Wednesday</a:t>
-            </a:r>
+              <a:t>, and the analysis you will complete (turn in write up before)</a:t>
+            </a:r>
+            <a:endParaRPr lang="en-US" u="sng" dirty="0"/>
+          </a:p>
+          <a:p>
+            <a:pPr lvl="1"/>
+            <a:endParaRPr lang="en-US" dirty="0"/>
+          </a:p>
+          <a:p>
+            <a:r>
+              <a:rPr lang="en-US" dirty="0"/>
+              <a:t>On </a:t>
+            </a:r>
+            <a:r>
+              <a:rPr lang="en-US" b="1" u="sng" dirty="0"/>
+              <a:t>Thurs Apr 27 </a:t>
+            </a:r>
+            <a:r>
+              <a:rPr lang="en-US" dirty="0"/>
+              <a:t>we will do project peer review</a:t>
+            </a:r>
+          </a:p>
+          <a:p>
+            <a:endParaRPr lang="en-US" dirty="0"/>
           </a:p>
         </p:txBody>
       </p:sp>
     </p:spTree>
     <p:extLst>
       <p:ext uri="{BB962C8B-B14F-4D97-AF65-F5344CB8AC3E}">
-        <p14:creationId xmlns:p14="http://schemas.microsoft.com/office/powerpoint/2010/main" val="3779505582"/>
+        <p14:creationId xmlns:p14="http://schemas.microsoft.com/office/powerpoint/2010/main" val="54558105"/>
       </p:ext>
     </p:extLst>
   </p:cSld>
@@ -3160,6 +3190,124 @@
       </p:grpSpPr>
       <p:sp>
         <p:nvSpPr>
+          <p:cNvPr id="2" name="Title 1">
+            <a:extLst>
+              <a:ext uri="{FF2B5EF4-FFF2-40B4-BE49-F238E27FC236}">
+                <a16:creationId xmlns:a16="http://schemas.microsoft.com/office/drawing/2014/main" id="{821AE047-3A37-1C48-B6ED-8CF17E084914}"/>
+              </a:ext>
+            </a:extLst>
+          </p:cNvPr>
+          <p:cNvSpPr>
+            <a:spLocks noGrp="1"/>
+          </p:cNvSpPr>
+          <p:nvPr>
+            <p:ph type="title"/>
+          </p:nvPr>
+        </p:nvSpPr>
+        <p:spPr/>
+        <p:txBody>
+          <a:bodyPr/>
+          <a:lstStyle/>
+          <a:p>
+            <a:r>
+              <a:rPr lang="en-US" dirty="0"/>
+              <a:t>Suggested timeline</a:t>
+            </a:r>
+          </a:p>
+        </p:txBody>
+      </p:sp>
+      <p:sp>
+        <p:nvSpPr>
+          <p:cNvPr id="3" name="Content Placeholder 2">
+            <a:extLst>
+              <a:ext uri="{FF2B5EF4-FFF2-40B4-BE49-F238E27FC236}">
+                <a16:creationId xmlns:a16="http://schemas.microsoft.com/office/drawing/2014/main" id="{65C2D9FF-6B45-C34F-9D4F-CD4AA1024520}"/>
+              </a:ext>
+            </a:extLst>
+          </p:cNvPr>
+          <p:cNvSpPr>
+            <a:spLocks noGrp="1"/>
+          </p:cNvSpPr>
+          <p:nvPr>
+            <p:ph idx="1"/>
+          </p:nvPr>
+        </p:nvSpPr>
+        <p:spPr/>
+        <p:txBody>
+          <a:bodyPr>
+            <a:normAutofit lnSpcReduction="10000"/>
+          </a:bodyPr>
+          <a:lstStyle/>
+          <a:p>
+            <a:r>
+              <a:rPr lang="en-US" dirty="0"/>
+              <a:t>Week 10 (Last week): Begin crafting analysis to include in your results section; possibly from your assignments</a:t>
+            </a:r>
+          </a:p>
+          <a:p>
+            <a:r>
+              <a:rPr lang="en-US" dirty="0"/>
+              <a:t>Week 11: Start drafting results (figures, captions), outline text for other sections</a:t>
+            </a:r>
+          </a:p>
+          <a:p>
+            <a:r>
+              <a:rPr lang="en-US" dirty="0"/>
+              <a:t>Week 12 (next week): hand in plan for final project on Tuesday; finish graphs and draft abstract</a:t>
+            </a:r>
+          </a:p>
+          <a:p>
+            <a:r>
+              <a:rPr lang="en-US" dirty="0"/>
+              <a:t>Week 13: finalize content you want for peer review, reach out to Kate if you need help</a:t>
+            </a:r>
+          </a:p>
+          <a:p>
+            <a:r>
+              <a:rPr lang="en-US" dirty="0"/>
+              <a:t>Week 14: Integrate comments from peer review and finalize draft</a:t>
+            </a:r>
+          </a:p>
+          <a:p>
+            <a:r>
+              <a:rPr lang="en-US" dirty="0"/>
+              <a:t>Week 15: hand in final project on Wednesday</a:t>
+            </a:r>
+          </a:p>
+        </p:txBody>
+      </p:sp>
+    </p:spTree>
+    <p:extLst>
+      <p:ext uri="{BB962C8B-B14F-4D97-AF65-F5344CB8AC3E}">
+        <p14:creationId xmlns:p14="http://schemas.microsoft.com/office/powerpoint/2010/main" val="3779505582"/>
+      </p:ext>
+    </p:extLst>
+  </p:cSld>
+  <p:clrMapOvr>
+    <a:masterClrMapping/>
+  </p:clrMapOvr>
+</p:sld>
+</file>
+
+<file path=ppt/slides/slide4.xml><?xml version="1.0" encoding="utf-8"?>
+<p:sld xmlns:a="http://schemas.openxmlformats.org/drawingml/2006/main" xmlns:r="http://schemas.openxmlformats.org/officeDocument/2006/relationships" xmlns:p="http://schemas.openxmlformats.org/presentationml/2006/main">
+  <p:cSld>
+    <p:spTree>
+      <p:nvGrpSpPr>
+        <p:cNvPr id="1" name=""/>
+        <p:cNvGrpSpPr/>
+        <p:nvPr/>
+      </p:nvGrpSpPr>
+      <p:grpSpPr>
+        <a:xfrm>
+          <a:off x="0" y="0"/>
+          <a:ext cx="0" cy="0"/>
+          <a:chOff x="0" y="0"/>
+          <a:chExt cx="0" cy="0"/>
+        </a:xfrm>
+      </p:grpSpPr>
+      <p:sp>
+        <p:nvSpPr>
           <p:cNvPr id="2" name="Title 1"/>
           <p:cNvSpPr>
             <a:spLocks noGrp="1"/>
@@ -3214,7 +3362,7 @@
             <a:pPr lvl="1"/>
             <a:r>
               <a:rPr lang="en-US" dirty="0"/>
-              <a:t>The models can be LMs or GLMs that you have already tested.</a:t>
+              <a:t>The models can be LMs or GLMs that you have already ran.</a:t>
             </a:r>
           </a:p>
           <a:p>

--- a/lectures/week_11_model_selection/le11_assignment.pptx
+++ b/lectures/week_11_model_selection/le11_assignment.pptx
@@ -6,9 +6,11 @@
   </p:sldMasterIdLst>
   <p:sldIdLst>
     <p:sldId id="258" r:id="rId2"/>
-    <p:sldId id="264" r:id="rId3"/>
-    <p:sldId id="259" r:id="rId4"/>
-    <p:sldId id="257" r:id="rId5"/>
+    <p:sldId id="265" r:id="rId3"/>
+    <p:sldId id="264" r:id="rId4"/>
+    <p:sldId id="266" r:id="rId5"/>
+    <p:sldId id="259" r:id="rId6"/>
+    <p:sldId id="257" r:id="rId7"/>
   </p:sldIdLst>
   <p:sldSz cx="12192000" cy="6858000"/>
   <p:notesSz cx="6858000" cy="9144000"/>
@@ -244,7 +246,7 @@
           <a:p>
             <a:fld id="{272F3363-993E-4E40-AB86-43582E14989C}" type="datetimeFigureOut">
               <a:rPr lang="en-US" smtClean="0"/>
-              <a:t>4/6/23</a:t>
+              <a:t>4/1/24</a:t>
             </a:fld>
             <a:endParaRPr lang="en-US"/>
           </a:p>
@@ -412,7 +414,7 @@
           <a:p>
             <a:fld id="{272F3363-993E-4E40-AB86-43582E14989C}" type="datetimeFigureOut">
               <a:rPr lang="en-US" smtClean="0"/>
-              <a:t>4/6/23</a:t>
+              <a:t>4/1/24</a:t>
             </a:fld>
             <a:endParaRPr lang="en-US"/>
           </a:p>
@@ -590,7 +592,7 @@
           <a:p>
             <a:fld id="{272F3363-993E-4E40-AB86-43582E14989C}" type="datetimeFigureOut">
               <a:rPr lang="en-US" smtClean="0"/>
-              <a:t>4/6/23</a:t>
+              <a:t>4/1/24</a:t>
             </a:fld>
             <a:endParaRPr lang="en-US"/>
           </a:p>
@@ -758,7 +760,7 @@
           <a:p>
             <a:fld id="{272F3363-993E-4E40-AB86-43582E14989C}" type="datetimeFigureOut">
               <a:rPr lang="en-US" smtClean="0"/>
-              <a:t>4/6/23</a:t>
+              <a:t>4/1/24</a:t>
             </a:fld>
             <a:endParaRPr lang="en-US"/>
           </a:p>
@@ -1003,7 +1005,7 @@
           <a:p>
             <a:fld id="{272F3363-993E-4E40-AB86-43582E14989C}" type="datetimeFigureOut">
               <a:rPr lang="en-US" smtClean="0"/>
-              <a:t>4/6/23</a:t>
+              <a:t>4/1/24</a:t>
             </a:fld>
             <a:endParaRPr lang="en-US"/>
           </a:p>
@@ -1232,7 +1234,7 @@
           <a:p>
             <a:fld id="{272F3363-993E-4E40-AB86-43582E14989C}" type="datetimeFigureOut">
               <a:rPr lang="en-US" smtClean="0"/>
-              <a:t>4/6/23</a:t>
+              <a:t>4/1/24</a:t>
             </a:fld>
             <a:endParaRPr lang="en-US"/>
           </a:p>
@@ -1596,7 +1598,7 @@
           <a:p>
             <a:fld id="{272F3363-993E-4E40-AB86-43582E14989C}" type="datetimeFigureOut">
               <a:rPr lang="en-US" smtClean="0"/>
-              <a:t>4/6/23</a:t>
+              <a:t>4/1/24</a:t>
             </a:fld>
             <a:endParaRPr lang="en-US"/>
           </a:p>
@@ -1713,7 +1715,7 @@
           <a:p>
             <a:fld id="{272F3363-993E-4E40-AB86-43582E14989C}" type="datetimeFigureOut">
               <a:rPr lang="en-US" smtClean="0"/>
-              <a:t>4/6/23</a:t>
+              <a:t>4/1/24</a:t>
             </a:fld>
             <a:endParaRPr lang="en-US"/>
           </a:p>
@@ -1808,7 +1810,7 @@
           <a:p>
             <a:fld id="{272F3363-993E-4E40-AB86-43582E14989C}" type="datetimeFigureOut">
               <a:rPr lang="en-US" smtClean="0"/>
-              <a:t>4/6/23</a:t>
+              <a:t>4/1/24</a:t>
             </a:fld>
             <a:endParaRPr lang="en-US"/>
           </a:p>
@@ -2083,7 +2085,7 @@
           <a:p>
             <a:fld id="{272F3363-993E-4E40-AB86-43582E14989C}" type="datetimeFigureOut">
               <a:rPr lang="en-US" smtClean="0"/>
-              <a:t>4/6/23</a:t>
+              <a:t>4/1/24</a:t>
             </a:fld>
             <a:endParaRPr lang="en-US"/>
           </a:p>
@@ -2335,7 +2337,7 @@
           <a:p>
             <a:fld id="{272F3363-993E-4E40-AB86-43582E14989C}" type="datetimeFigureOut">
               <a:rPr lang="en-US" smtClean="0"/>
-              <a:t>4/6/23</a:t>
+              <a:t>4/1/24</a:t>
             </a:fld>
             <a:endParaRPr lang="en-US"/>
           </a:p>
@@ -2546,7 +2548,7 @@
           <a:p>
             <a:fld id="{272F3363-993E-4E40-AB86-43582E14989C}" type="datetimeFigureOut">
               <a:rPr lang="en-US" smtClean="0"/>
-              <a:t>4/6/23</a:t>
+              <a:t>4/1/24</a:t>
             </a:fld>
             <a:endParaRPr lang="en-US"/>
           </a:p>
@@ -3045,7 +3047,13 @@
       </p:grpSpPr>
       <p:sp>
         <p:nvSpPr>
-          <p:cNvPr id="2" name="Title 1"/>
+          <p:cNvPr id="2" name="Title 1">
+            <a:extLst>
+              <a:ext uri="{FF2B5EF4-FFF2-40B4-BE49-F238E27FC236}">
+                <a16:creationId xmlns:a16="http://schemas.microsoft.com/office/drawing/2014/main" id="{368B6EE4-90A3-2EB4-0571-2E2CDA1C23FC}"/>
+              </a:ext>
+            </a:extLst>
+          </p:cNvPr>
           <p:cNvSpPr>
             <a:spLocks noGrp="1"/>
           </p:cNvSpPr>
@@ -3060,14 +3068,20 @@
           <a:p>
             <a:r>
               <a:rPr lang="en-US" dirty="0"/>
-              <a:t>Final Project</a:t>
-            </a:r>
-          </a:p>
-        </p:txBody>
-      </p:sp>
-      <p:sp>
-        <p:nvSpPr>
-          <p:cNvPr id="3" name="Content Placeholder 2"/>
+              <a:t>Final presentation project plan – due Apr 9</a:t>
+            </a:r>
+          </a:p>
+        </p:txBody>
+      </p:sp>
+      <p:sp>
+        <p:nvSpPr>
+          <p:cNvPr id="3" name="Content Placeholder 2">
+            <a:extLst>
+              <a:ext uri="{FF2B5EF4-FFF2-40B4-BE49-F238E27FC236}">
+                <a16:creationId xmlns:a16="http://schemas.microsoft.com/office/drawing/2014/main" id="{183647A9-7F16-4F47-6A5D-6FA8DA0DEF3F}"/>
+              </a:ext>
+            </a:extLst>
+          </p:cNvPr>
           <p:cNvSpPr>
             <a:spLocks noGrp="1"/>
           </p:cNvSpPr>
@@ -3075,83 +3089,190 @@
             <p:ph idx="1"/>
           </p:nvPr>
         </p:nvSpPr>
-        <p:spPr>
-          <a:xfrm>
-            <a:off x="838200" y="1382751"/>
-            <a:ext cx="10515600" cy="4794212"/>
-          </a:xfrm>
-        </p:spPr>
+        <p:spPr/>
         <p:txBody>
           <a:bodyPr>
-            <a:normAutofit/>
+            <a:normAutofit fontScale="62500" lnSpcReduction="20000"/>
           </a:bodyPr>
           <a:lstStyle/>
           <a:p>
-            <a:r>
-              <a:rPr lang="en-US" dirty="0"/>
-              <a:t>Your final project is due on </a:t>
-            </a:r>
-            <a:r>
-              <a:rPr lang="en-US" b="1" dirty="0"/>
-              <a:t>Wed May 03 </a:t>
-            </a:r>
-            <a:r>
-              <a:rPr lang="en-US" dirty="0"/>
-              <a:t>by midnight. </a:t>
-            </a:r>
-          </a:p>
-          <a:p>
-            <a:r>
-              <a:rPr lang="en-US" dirty="0"/>
-              <a:t>On </a:t>
-            </a:r>
-            <a:r>
-              <a:rPr lang="en-US" b="1" u="sng" dirty="0"/>
-              <a:t>Tues Apr 18</a:t>
-            </a:r>
-            <a:r>
-              <a:rPr lang="en-US" u="sng" dirty="0"/>
-              <a:t> </a:t>
-            </a:r>
-            <a:r>
-              <a:rPr lang="en-US" dirty="0"/>
-              <a:t> you need to talk to me about your x </a:t>
-            </a:r>
-            <a:r>
-              <a:rPr lang="en-US" dirty="0" err="1"/>
-              <a:t>vars</a:t>
-            </a:r>
-            <a:r>
-              <a:rPr lang="en-US" dirty="0"/>
-              <a:t>, y </a:t>
-            </a:r>
-            <a:r>
-              <a:rPr lang="en-US" dirty="0" err="1"/>
-              <a:t>vars</a:t>
-            </a:r>
-            <a:r>
-              <a:rPr lang="en-US" dirty="0"/>
-              <a:t>, and the analysis you will complete (turn in write up before)</a:t>
-            </a:r>
-            <a:endParaRPr lang="en-US" u="sng" dirty="0"/>
-          </a:p>
-          <a:p>
-            <a:pPr lvl="1"/>
-            <a:endParaRPr lang="en-US" dirty="0"/>
-          </a:p>
-          <a:p>
-            <a:r>
-              <a:rPr lang="en-US" dirty="0"/>
-              <a:t>On </a:t>
-            </a:r>
-            <a:r>
-              <a:rPr lang="en-US" b="1" u="sng" dirty="0"/>
-              <a:t>Thurs Apr 27 </a:t>
-            </a:r>
-            <a:r>
-              <a:rPr lang="en-US" dirty="0"/>
-              <a:t>we will do project peer review</a:t>
-            </a:r>
+            <a:endParaRPr lang="en-US" b="1" dirty="0"/>
+          </a:p>
+          <a:p>
+            <a:pPr algn="l"/>
+            <a:r>
+              <a:rPr lang="en-US" b="0" i="0" dirty="0">
+                <a:solidFill>
+                  <a:srgbClr val="222222"/>
+                </a:solidFill>
+                <a:effectLst/>
+                <a:latin typeface="Lato Extended"/>
+              </a:rPr>
+              <a:t>Please submit a brief document or description here of what you are planning for your final project. Please include:</a:t>
+            </a:r>
+          </a:p>
+          <a:p>
+            <a:pPr marL="0" indent="0" algn="l">
+              <a:buNone/>
+            </a:pPr>
+            <a:endParaRPr lang="en-US" b="0" i="0" dirty="0">
+              <a:solidFill>
+                <a:srgbClr val="222222"/>
+              </a:solidFill>
+              <a:effectLst/>
+              <a:latin typeface="Lato Extended"/>
+            </a:endParaRPr>
+          </a:p>
+          <a:p>
+            <a:pPr marL="0" indent="0" algn="l">
+              <a:buNone/>
+            </a:pPr>
+            <a:r>
+              <a:rPr lang="en-US" b="0" i="0" dirty="0">
+                <a:solidFill>
+                  <a:srgbClr val="222222"/>
+                </a:solidFill>
+                <a:effectLst/>
+                <a:latin typeface="Lato Extended"/>
+              </a:rPr>
+              <a:t>1. What hypothesis or question are you answering?</a:t>
+            </a:r>
+          </a:p>
+          <a:p>
+            <a:pPr marL="0" indent="0" algn="l">
+              <a:buNone/>
+            </a:pPr>
+            <a:r>
+              <a:rPr lang="en-US" b="0" i="1" dirty="0">
+                <a:solidFill>
+                  <a:srgbClr val="222222"/>
+                </a:solidFill>
+                <a:effectLst/>
+                <a:latin typeface="Lato Extended"/>
+              </a:rPr>
+              <a:t>Example: I am interested in the understanding the effect of temperature on fungal loads on bats.</a:t>
+            </a:r>
+            <a:endParaRPr lang="en-US" b="0" i="0" dirty="0">
+              <a:solidFill>
+                <a:srgbClr val="222222"/>
+              </a:solidFill>
+              <a:effectLst/>
+              <a:latin typeface="Lato Extended"/>
+            </a:endParaRPr>
+          </a:p>
+          <a:p>
+            <a:pPr marL="0" indent="0" algn="l">
+              <a:buNone/>
+            </a:pPr>
+            <a:r>
+              <a:rPr lang="en-US" b="0" i="0" dirty="0">
+                <a:solidFill>
+                  <a:srgbClr val="222222"/>
+                </a:solidFill>
+                <a:effectLst/>
+                <a:latin typeface="Lato Extended"/>
+              </a:rPr>
+              <a:t>2. What are your analytical plans?</a:t>
+            </a:r>
+          </a:p>
+          <a:p>
+            <a:pPr marL="0" indent="0" algn="l">
+              <a:buNone/>
+            </a:pPr>
+            <a:r>
+              <a:rPr lang="en-US" b="0" i="0" dirty="0">
+                <a:solidFill>
+                  <a:srgbClr val="222222"/>
+                </a:solidFill>
+                <a:effectLst/>
+                <a:latin typeface="Lato Extended"/>
+              </a:rPr>
+              <a:t>A. What type of analysis and what is the y variable, and what are the x variables?</a:t>
+            </a:r>
+          </a:p>
+          <a:p>
+            <a:pPr marL="0" indent="0" algn="l">
+              <a:buNone/>
+            </a:pPr>
+            <a:r>
+              <a:rPr lang="en-US" b="0" i="0" dirty="0">
+                <a:solidFill>
+                  <a:srgbClr val="222222"/>
+                </a:solidFill>
+                <a:effectLst/>
+                <a:latin typeface="Lato Extended"/>
+              </a:rPr>
+              <a:t>B. What is a datapoint (e.g. a row in your data)?</a:t>
+            </a:r>
+          </a:p>
+          <a:p>
+            <a:pPr marL="0" indent="0" algn="l">
+              <a:buNone/>
+            </a:pPr>
+            <a:r>
+              <a:rPr lang="en-US" b="0" i="1" dirty="0">
+                <a:solidFill>
+                  <a:srgbClr val="222222"/>
+                </a:solidFill>
+                <a:effectLst/>
+                <a:latin typeface="Lato Extended"/>
+              </a:rPr>
+              <a:t>Example: I will use a linear mixed effects model. My y-variable (response) is fungal loads, my x-variable is bat roosting temperature (predictor), and site is a random effect. A datapoint is swab taken from a bat at a site.  </a:t>
+            </a:r>
+            <a:endParaRPr lang="en-US" b="0" i="0" dirty="0">
+              <a:solidFill>
+                <a:srgbClr val="222222"/>
+              </a:solidFill>
+              <a:effectLst/>
+              <a:latin typeface="Lato Extended"/>
+            </a:endParaRPr>
+          </a:p>
+          <a:p>
+            <a:pPr marL="0" indent="0" algn="l">
+              <a:buNone/>
+            </a:pPr>
+            <a:r>
+              <a:rPr lang="en-US" b="0" i="1" dirty="0">
+                <a:solidFill>
+                  <a:srgbClr val="222222"/>
+                </a:solidFill>
+                <a:effectLst/>
+                <a:latin typeface="Lato Extended"/>
+              </a:rPr>
+              <a:t>3. </a:t>
+            </a:r>
+            <a:r>
+              <a:rPr lang="en-US" b="0" i="0" dirty="0">
+                <a:solidFill>
+                  <a:srgbClr val="222222"/>
+                </a:solidFill>
+                <a:effectLst/>
+                <a:latin typeface="Lato Extended"/>
+              </a:rPr>
+              <a:t>What figures do you have planned?</a:t>
+            </a:r>
+          </a:p>
+          <a:p>
+            <a:pPr marL="0" indent="0" algn="l">
+              <a:buNone/>
+            </a:pPr>
+            <a:r>
+              <a:rPr lang="en-US" b="0" i="1" dirty="0">
+                <a:solidFill>
+                  <a:srgbClr val="222222"/>
+                </a:solidFill>
+                <a:effectLst/>
+                <a:latin typeface="Lato Extended"/>
+              </a:rPr>
+              <a:t>Example:  I plan to show a figure with temperature on the x-axis and fungal loads on the y-axis showing both the raw data and model predicted lines.</a:t>
+            </a:r>
+            <a:endParaRPr lang="en-US" b="0" i="0" dirty="0">
+              <a:solidFill>
+                <a:srgbClr val="222222"/>
+              </a:solidFill>
+              <a:effectLst/>
+              <a:latin typeface="Lato Extended"/>
+            </a:endParaRPr>
           </a:p>
           <a:p>
             <a:endParaRPr lang="en-US" dirty="0"/>
@@ -3161,7 +3282,7 @@
     </p:spTree>
     <p:extLst>
       <p:ext uri="{BB962C8B-B14F-4D97-AF65-F5344CB8AC3E}">
-        <p14:creationId xmlns:p14="http://schemas.microsoft.com/office/powerpoint/2010/main" val="54558105"/>
+        <p14:creationId xmlns:p14="http://schemas.microsoft.com/office/powerpoint/2010/main" val="2135457348"/>
       </p:ext>
     </p:extLst>
   </p:cSld>
@@ -3190,96 +3311,2082 @@
       </p:grpSpPr>
       <p:sp>
         <p:nvSpPr>
-          <p:cNvPr id="2" name="Title 1">
+          <p:cNvPr id="2" name="Title 1"/>
+          <p:cNvSpPr>
+            <a:spLocks noGrp="1"/>
+          </p:cNvSpPr>
+          <p:nvPr>
+            <p:ph type="title"/>
+          </p:nvPr>
+        </p:nvSpPr>
+        <p:spPr/>
+        <p:txBody>
+          <a:bodyPr/>
+          <a:lstStyle/>
+          <a:p>
+            <a:r>
+              <a:rPr lang="en-US" dirty="0"/>
+              <a:t>Final Presentation Schedule</a:t>
+            </a:r>
+          </a:p>
+        </p:txBody>
+      </p:sp>
+      <p:graphicFrame>
+        <p:nvGraphicFramePr>
+          <p:cNvPr id="4" name="Content Placeholder 3">
             <a:extLst>
               <a:ext uri="{FF2B5EF4-FFF2-40B4-BE49-F238E27FC236}">
-                <a16:creationId xmlns:a16="http://schemas.microsoft.com/office/drawing/2014/main" id="{821AE047-3A37-1C48-B6ED-8CF17E084914}"/>
+                <a16:creationId xmlns:a16="http://schemas.microsoft.com/office/drawing/2014/main" id="{1095B608-D62C-8FAF-6D1E-B8D3E6FCE17D}"/>
               </a:ext>
             </a:extLst>
           </p:cNvPr>
-          <p:cNvSpPr>
-            <a:spLocks noGrp="1"/>
-          </p:cNvSpPr>
-          <p:nvPr>
-            <p:ph type="title"/>
-          </p:nvPr>
-        </p:nvSpPr>
-        <p:spPr/>
-        <p:txBody>
-          <a:bodyPr/>
-          <a:lstStyle/>
-          <a:p>
-            <a:r>
-              <a:rPr lang="en-US" dirty="0"/>
-              <a:t>Suggested timeline</a:t>
-            </a:r>
-          </a:p>
-        </p:txBody>
-      </p:sp>
-      <p:sp>
-        <p:nvSpPr>
-          <p:cNvPr id="3" name="Content Placeholder 2">
-            <a:extLst>
-              <a:ext uri="{FF2B5EF4-FFF2-40B4-BE49-F238E27FC236}">
-                <a16:creationId xmlns:a16="http://schemas.microsoft.com/office/drawing/2014/main" id="{65C2D9FF-6B45-C34F-9D4F-CD4AA1024520}"/>
-              </a:ext>
-            </a:extLst>
-          </p:cNvPr>
-          <p:cNvSpPr>
-            <a:spLocks noGrp="1"/>
-          </p:cNvSpPr>
+          <p:cNvGraphicFramePr>
+            <a:graphicFrameLocks noGrp="1"/>
+          </p:cNvGraphicFramePr>
           <p:nvPr>
             <p:ph idx="1"/>
-          </p:nvPr>
-        </p:nvSpPr>
-        <p:spPr/>
-        <p:txBody>
-          <a:bodyPr>
-            <a:normAutofit lnSpcReduction="10000"/>
-          </a:bodyPr>
-          <a:lstStyle/>
-          <a:p>
-            <a:r>
-              <a:rPr lang="en-US" dirty="0"/>
-              <a:t>Week 10 (Last week): Begin crafting analysis to include in your results section; possibly from your assignments</a:t>
-            </a:r>
-          </a:p>
-          <a:p>
-            <a:r>
-              <a:rPr lang="en-US" dirty="0"/>
-              <a:t>Week 11: Start drafting results (figures, captions), outline text for other sections</a:t>
-            </a:r>
-          </a:p>
-          <a:p>
-            <a:r>
-              <a:rPr lang="en-US" dirty="0"/>
-              <a:t>Week 12 (next week): hand in plan for final project on Tuesday; finish graphs and draft abstract</a:t>
-            </a:r>
-          </a:p>
-          <a:p>
-            <a:r>
-              <a:rPr lang="en-US" dirty="0"/>
-              <a:t>Week 13: finalize content you want for peer review, reach out to Kate if you need help</a:t>
-            </a:r>
-          </a:p>
-          <a:p>
-            <a:r>
-              <a:rPr lang="en-US" dirty="0"/>
-              <a:t>Week 14: Integrate comments from peer review and finalize draft</a:t>
-            </a:r>
-          </a:p>
-          <a:p>
-            <a:r>
-              <a:rPr lang="en-US" dirty="0"/>
-              <a:t>Week 15: hand in final project on Wednesday</a:t>
-            </a:r>
-          </a:p>
-        </p:txBody>
-      </p:sp>
+            <p:extLst>
+              <p:ext uri="{D42A27DB-BD31-4B8C-83A1-F6EECF244321}">
+                <p14:modId xmlns:p14="http://schemas.microsoft.com/office/powerpoint/2010/main" val="1827272137"/>
+              </p:ext>
+            </p:extLst>
+          </p:nvPr>
+        </p:nvGraphicFramePr>
+        <p:xfrm>
+          <a:off x="1288895" y="1690688"/>
+          <a:ext cx="7696200" cy="2423160"/>
+        </p:xfrm>
+        <a:graphic>
+          <a:graphicData uri="http://schemas.openxmlformats.org/drawingml/2006/table">
+            <a:tbl>
+              <a:tblPr/>
+              <a:tblGrid>
+                <a:gridCol w="952500">
+                  <a:extLst>
+                    <a:ext uri="{9D8B030D-6E8A-4147-A177-3AD203B41FA5}">
+                      <a16:colId xmlns:a16="http://schemas.microsoft.com/office/drawing/2014/main" val="2935843282"/>
+                    </a:ext>
+                  </a:extLst>
+                </a:gridCol>
+                <a:gridCol w="1323975">
+                  <a:extLst>
+                    <a:ext uri="{9D8B030D-6E8A-4147-A177-3AD203B41FA5}">
+                      <a16:colId xmlns:a16="http://schemas.microsoft.com/office/drawing/2014/main" val="1420906636"/>
+                    </a:ext>
+                  </a:extLst>
+                </a:gridCol>
+                <a:gridCol w="1800225">
+                  <a:extLst>
+                    <a:ext uri="{9D8B030D-6E8A-4147-A177-3AD203B41FA5}">
+                      <a16:colId xmlns:a16="http://schemas.microsoft.com/office/drawing/2014/main" val="293199539"/>
+                    </a:ext>
+                  </a:extLst>
+                </a:gridCol>
+                <a:gridCol w="1190625">
+                  <a:extLst>
+                    <a:ext uri="{9D8B030D-6E8A-4147-A177-3AD203B41FA5}">
+                      <a16:colId xmlns:a16="http://schemas.microsoft.com/office/drawing/2014/main" val="400828708"/>
+                    </a:ext>
+                  </a:extLst>
+                </a:gridCol>
+                <a:gridCol w="1085850">
+                  <a:extLst>
+                    <a:ext uri="{9D8B030D-6E8A-4147-A177-3AD203B41FA5}">
+                      <a16:colId xmlns:a16="http://schemas.microsoft.com/office/drawing/2014/main" val="615867197"/>
+                    </a:ext>
+                  </a:extLst>
+                </a:gridCol>
+                <a:gridCol w="1343025">
+                  <a:extLst>
+                    <a:ext uri="{9D8B030D-6E8A-4147-A177-3AD203B41FA5}">
+                      <a16:colId xmlns:a16="http://schemas.microsoft.com/office/drawing/2014/main" val="343784003"/>
+                    </a:ext>
+                  </a:extLst>
+                </a:gridCol>
+              </a:tblGrid>
+              <a:tr h="200025">
+                <a:tc>
+                  <a:txBody>
+                    <a:bodyPr/>
+                    <a:lstStyle/>
+                    <a:p>
+                      <a:pPr rtl="0" fontAlgn="b"/>
+                      <a:endParaRPr lang="en-US">
+                        <a:effectLst/>
+                      </a:endParaRPr>
+                    </a:p>
+                  </a:txBody>
+                  <a:tcPr marL="28575" marR="28575" marT="19050" marB="19050" anchor="b">
+                    <a:lnL w="9525" cap="flat" cmpd="sng" algn="ctr">
+                      <a:solidFill>
+                        <a:srgbClr val="CCCCCC"/>
+                      </a:solidFill>
+                      <a:prstDash val="solid"/>
+                      <a:round/>
+                      <a:headEnd type="none" w="med" len="med"/>
+                      <a:tailEnd type="none" w="med" len="med"/>
+                    </a:lnL>
+                    <a:lnR w="9525" cap="flat" cmpd="sng" algn="ctr">
+                      <a:solidFill>
+                        <a:srgbClr val="CCCCCC"/>
+                      </a:solidFill>
+                      <a:prstDash val="solid"/>
+                      <a:round/>
+                      <a:headEnd type="none" w="med" len="med"/>
+                      <a:tailEnd type="none" w="med" len="med"/>
+                    </a:lnR>
+                    <a:lnT w="9525" cap="flat" cmpd="sng" algn="ctr">
+                      <a:solidFill>
+                        <a:srgbClr val="CCCCCC"/>
+                      </a:solidFill>
+                      <a:prstDash val="solid"/>
+                      <a:round/>
+                      <a:headEnd type="none" w="med" len="med"/>
+                      <a:tailEnd type="none" w="med" len="med"/>
+                    </a:lnT>
+                    <a:lnB w="9525" cap="flat" cmpd="sng" algn="ctr">
+                      <a:solidFill>
+                        <a:srgbClr val="CCCCCC"/>
+                      </a:solidFill>
+                      <a:prstDash val="solid"/>
+                      <a:round/>
+                      <a:headEnd type="none" w="med" len="med"/>
+                      <a:tailEnd type="none" w="med" len="med"/>
+                    </a:lnB>
+                  </a:tcPr>
+                </a:tc>
+                <a:tc>
+                  <a:txBody>
+                    <a:bodyPr/>
+                    <a:lstStyle/>
+                    <a:p>
+                      <a:pPr rtl="0" fontAlgn="b"/>
+                      <a:r>
+                        <a:rPr lang="en-US" sz="1200" b="0">
+                          <a:effectLst/>
+                          <a:latin typeface="Calibri" panose="020F0502020204030204" pitchFamily="34" charset="0"/>
+                        </a:rPr>
+                        <a:t>Name</a:t>
+                      </a:r>
+                    </a:p>
+                  </a:txBody>
+                  <a:tcPr marL="28575" marR="28575" marT="19050" marB="19050" anchor="b">
+                    <a:lnL w="9525" cap="flat" cmpd="sng" algn="ctr">
+                      <a:solidFill>
+                        <a:srgbClr val="CCCCCC"/>
+                      </a:solidFill>
+                      <a:prstDash val="solid"/>
+                      <a:round/>
+                      <a:headEnd type="none" w="med" len="med"/>
+                      <a:tailEnd type="none" w="med" len="med"/>
+                    </a:lnL>
+                    <a:lnR w="9525" cap="flat" cmpd="sng" algn="ctr">
+                      <a:solidFill>
+                        <a:srgbClr val="CCCCCC"/>
+                      </a:solidFill>
+                      <a:prstDash val="solid"/>
+                      <a:round/>
+                      <a:headEnd type="none" w="med" len="med"/>
+                      <a:tailEnd type="none" w="med" len="med"/>
+                    </a:lnR>
+                    <a:lnT w="9525" cap="flat" cmpd="sng" algn="ctr">
+                      <a:solidFill>
+                        <a:srgbClr val="CCCCCC"/>
+                      </a:solidFill>
+                      <a:prstDash val="solid"/>
+                      <a:round/>
+                      <a:headEnd type="none" w="med" len="med"/>
+                      <a:tailEnd type="none" w="med" len="med"/>
+                    </a:lnT>
+                    <a:lnB w="9525" cap="flat" cmpd="sng" algn="ctr">
+                      <a:solidFill>
+                        <a:srgbClr val="CCCCCC"/>
+                      </a:solidFill>
+                      <a:prstDash val="solid"/>
+                      <a:round/>
+                      <a:headEnd type="none" w="med" len="med"/>
+                      <a:tailEnd type="none" w="med" len="med"/>
+                    </a:lnB>
+                  </a:tcPr>
+                </a:tc>
+                <a:tc>
+                  <a:txBody>
+                    <a:bodyPr/>
+                    <a:lstStyle/>
+                    <a:p>
+                      <a:pPr rtl="0" fontAlgn="b"/>
+                      <a:r>
+                        <a:rPr lang="en-US" sz="1200" b="0">
+                          <a:effectLst/>
+                          <a:latin typeface="Calibri" panose="020F0502020204030204" pitchFamily="34" charset="0"/>
+                        </a:rPr>
+                        <a:t>Name</a:t>
+                      </a:r>
+                    </a:p>
+                  </a:txBody>
+                  <a:tcPr marL="28575" marR="28575" marT="19050" marB="19050" anchor="b">
+                    <a:lnL w="9525" cap="flat" cmpd="sng" algn="ctr">
+                      <a:solidFill>
+                        <a:srgbClr val="CCCCCC"/>
+                      </a:solidFill>
+                      <a:prstDash val="solid"/>
+                      <a:round/>
+                      <a:headEnd type="none" w="med" len="med"/>
+                      <a:tailEnd type="none" w="med" len="med"/>
+                    </a:lnL>
+                    <a:lnR w="9525" cap="flat" cmpd="sng" algn="ctr">
+                      <a:solidFill>
+                        <a:srgbClr val="CCCCCC"/>
+                      </a:solidFill>
+                      <a:prstDash val="solid"/>
+                      <a:round/>
+                      <a:headEnd type="none" w="med" len="med"/>
+                      <a:tailEnd type="none" w="med" len="med"/>
+                    </a:lnR>
+                    <a:lnT w="9525" cap="flat" cmpd="sng" algn="ctr">
+                      <a:solidFill>
+                        <a:srgbClr val="CCCCCC"/>
+                      </a:solidFill>
+                      <a:prstDash val="solid"/>
+                      <a:round/>
+                      <a:headEnd type="none" w="med" len="med"/>
+                      <a:tailEnd type="none" w="med" len="med"/>
+                    </a:lnT>
+                    <a:lnB w="9525" cap="flat" cmpd="sng" algn="ctr">
+                      <a:solidFill>
+                        <a:srgbClr val="CCCCCC"/>
+                      </a:solidFill>
+                      <a:prstDash val="solid"/>
+                      <a:round/>
+                      <a:headEnd type="none" w="med" len="med"/>
+                      <a:tailEnd type="none" w="med" len="med"/>
+                    </a:lnB>
+                  </a:tcPr>
+                </a:tc>
+                <a:tc>
+                  <a:txBody>
+                    <a:bodyPr/>
+                    <a:lstStyle/>
+                    <a:p>
+                      <a:pPr rtl="0" fontAlgn="b"/>
+                      <a:r>
+                        <a:rPr lang="en-US" sz="1200" b="0">
+                          <a:effectLst/>
+                          <a:latin typeface="Calibri" panose="020F0502020204030204" pitchFamily="34" charset="0"/>
+                        </a:rPr>
+                        <a:t>Name</a:t>
+                      </a:r>
+                    </a:p>
+                  </a:txBody>
+                  <a:tcPr marL="28575" marR="28575" marT="19050" marB="19050" anchor="b">
+                    <a:lnL w="9525" cap="flat" cmpd="sng" algn="ctr">
+                      <a:solidFill>
+                        <a:srgbClr val="CCCCCC"/>
+                      </a:solidFill>
+                      <a:prstDash val="solid"/>
+                      <a:round/>
+                      <a:headEnd type="none" w="med" len="med"/>
+                      <a:tailEnd type="none" w="med" len="med"/>
+                    </a:lnL>
+                    <a:lnR w="9525" cap="flat" cmpd="sng" algn="ctr">
+                      <a:solidFill>
+                        <a:srgbClr val="CCCCCC"/>
+                      </a:solidFill>
+                      <a:prstDash val="solid"/>
+                      <a:round/>
+                      <a:headEnd type="none" w="med" len="med"/>
+                      <a:tailEnd type="none" w="med" len="med"/>
+                    </a:lnR>
+                    <a:lnT w="9525" cap="flat" cmpd="sng" algn="ctr">
+                      <a:solidFill>
+                        <a:srgbClr val="CCCCCC"/>
+                      </a:solidFill>
+                      <a:prstDash val="solid"/>
+                      <a:round/>
+                      <a:headEnd type="none" w="med" len="med"/>
+                      <a:tailEnd type="none" w="med" len="med"/>
+                    </a:lnT>
+                    <a:lnB w="9525" cap="flat" cmpd="sng" algn="ctr">
+                      <a:solidFill>
+                        <a:srgbClr val="CCCCCC"/>
+                      </a:solidFill>
+                      <a:prstDash val="solid"/>
+                      <a:round/>
+                      <a:headEnd type="none" w="med" len="med"/>
+                      <a:tailEnd type="none" w="med" len="med"/>
+                    </a:lnB>
+                  </a:tcPr>
+                </a:tc>
+                <a:tc>
+                  <a:txBody>
+                    <a:bodyPr/>
+                    <a:lstStyle/>
+                    <a:p>
+                      <a:pPr rtl="0" fontAlgn="b"/>
+                      <a:r>
+                        <a:rPr lang="en-US" sz="1200" b="0">
+                          <a:effectLst/>
+                          <a:latin typeface="Calibri" panose="020F0502020204030204" pitchFamily="34" charset="0"/>
+                        </a:rPr>
+                        <a:t>Name</a:t>
+                      </a:r>
+                    </a:p>
+                  </a:txBody>
+                  <a:tcPr marL="28575" marR="28575" marT="19050" marB="19050" anchor="b">
+                    <a:lnL w="9525" cap="flat" cmpd="sng" algn="ctr">
+                      <a:solidFill>
+                        <a:srgbClr val="CCCCCC"/>
+                      </a:solidFill>
+                      <a:prstDash val="solid"/>
+                      <a:round/>
+                      <a:headEnd type="none" w="med" len="med"/>
+                      <a:tailEnd type="none" w="med" len="med"/>
+                    </a:lnL>
+                    <a:lnR w="9525" cap="flat" cmpd="sng" algn="ctr">
+                      <a:solidFill>
+                        <a:srgbClr val="CCCCCC"/>
+                      </a:solidFill>
+                      <a:prstDash val="solid"/>
+                      <a:round/>
+                      <a:headEnd type="none" w="med" len="med"/>
+                      <a:tailEnd type="none" w="med" len="med"/>
+                    </a:lnR>
+                    <a:lnT w="9525" cap="flat" cmpd="sng" algn="ctr">
+                      <a:solidFill>
+                        <a:srgbClr val="CCCCCC"/>
+                      </a:solidFill>
+                      <a:prstDash val="solid"/>
+                      <a:round/>
+                      <a:headEnd type="none" w="med" len="med"/>
+                      <a:tailEnd type="none" w="med" len="med"/>
+                    </a:lnT>
+                    <a:lnB w="9525" cap="flat" cmpd="sng" algn="ctr">
+                      <a:solidFill>
+                        <a:srgbClr val="CCCCCC"/>
+                      </a:solidFill>
+                      <a:prstDash val="solid"/>
+                      <a:round/>
+                      <a:headEnd type="none" w="med" len="med"/>
+                      <a:tailEnd type="none" w="med" len="med"/>
+                    </a:lnB>
+                  </a:tcPr>
+                </a:tc>
+                <a:tc>
+                  <a:txBody>
+                    <a:bodyPr/>
+                    <a:lstStyle/>
+                    <a:p>
+                      <a:pPr rtl="0" fontAlgn="b"/>
+                      <a:r>
+                        <a:rPr lang="en-US">
+                          <a:effectLst/>
+                        </a:rPr>
+                        <a:t>Name</a:t>
+                      </a:r>
+                    </a:p>
+                  </a:txBody>
+                  <a:tcPr marL="28575" marR="28575" marT="19050" marB="19050" anchor="b">
+                    <a:lnL w="9525" cap="flat" cmpd="sng" algn="ctr">
+                      <a:solidFill>
+                        <a:srgbClr val="CCCCCC"/>
+                      </a:solidFill>
+                      <a:prstDash val="solid"/>
+                      <a:round/>
+                      <a:headEnd type="none" w="med" len="med"/>
+                      <a:tailEnd type="none" w="med" len="med"/>
+                    </a:lnL>
+                    <a:lnR w="9525" cap="flat" cmpd="sng" algn="ctr">
+                      <a:solidFill>
+                        <a:srgbClr val="CCCCCC"/>
+                      </a:solidFill>
+                      <a:prstDash val="solid"/>
+                      <a:round/>
+                      <a:headEnd type="none" w="med" len="med"/>
+                      <a:tailEnd type="none" w="med" len="med"/>
+                    </a:lnR>
+                    <a:lnT w="9525" cap="flat" cmpd="sng" algn="ctr">
+                      <a:solidFill>
+                        <a:srgbClr val="CCCCCC"/>
+                      </a:solidFill>
+                      <a:prstDash val="solid"/>
+                      <a:round/>
+                      <a:headEnd type="none" w="med" len="med"/>
+                      <a:tailEnd type="none" w="med" len="med"/>
+                    </a:lnT>
+                    <a:lnB w="9525" cap="flat" cmpd="sng" algn="ctr">
+                      <a:solidFill>
+                        <a:srgbClr val="CCCCCC"/>
+                      </a:solidFill>
+                      <a:prstDash val="solid"/>
+                      <a:round/>
+                      <a:headEnd type="none" w="med" len="med"/>
+                      <a:tailEnd type="none" w="med" len="med"/>
+                    </a:lnB>
+                  </a:tcPr>
+                </a:tc>
+                <a:extLst>
+                  <a:ext uri="{0D108BD9-81ED-4DB2-BD59-A6C34878D82A}">
+                    <a16:rowId xmlns:a16="http://schemas.microsoft.com/office/drawing/2014/main" val="3386200687"/>
+                  </a:ext>
+                </a:extLst>
+              </a:tr>
+              <a:tr h="200025">
+                <a:tc>
+                  <a:txBody>
+                    <a:bodyPr/>
+                    <a:lstStyle/>
+                    <a:p>
+                      <a:pPr algn="r" rtl="0" fontAlgn="b"/>
+                      <a:r>
+                        <a:rPr lang="en-US" sz="1200" b="0">
+                          <a:effectLst/>
+                          <a:latin typeface="Calibri" panose="020F0502020204030204" pitchFamily="34" charset="0"/>
+                        </a:rPr>
+                        <a:t>16-Apr</a:t>
+                      </a:r>
+                    </a:p>
+                  </a:txBody>
+                  <a:tcPr marL="28575" marR="28575" marT="19050" marB="19050" anchor="b">
+                    <a:lnL w="9525" cap="flat" cmpd="sng" algn="ctr">
+                      <a:solidFill>
+                        <a:srgbClr val="CCCCCC"/>
+                      </a:solidFill>
+                      <a:prstDash val="solid"/>
+                      <a:round/>
+                      <a:headEnd type="none" w="med" len="med"/>
+                      <a:tailEnd type="none" w="med" len="med"/>
+                    </a:lnL>
+                    <a:lnR w="9525" cap="flat" cmpd="sng" algn="ctr">
+                      <a:solidFill>
+                        <a:srgbClr val="CCCCCC"/>
+                      </a:solidFill>
+                      <a:prstDash val="solid"/>
+                      <a:round/>
+                      <a:headEnd type="none" w="med" len="med"/>
+                      <a:tailEnd type="none" w="med" len="med"/>
+                    </a:lnR>
+                    <a:lnT w="9525" cap="flat" cmpd="sng" algn="ctr">
+                      <a:solidFill>
+                        <a:srgbClr val="CCCCCC"/>
+                      </a:solidFill>
+                      <a:prstDash val="solid"/>
+                      <a:round/>
+                      <a:headEnd type="none" w="med" len="med"/>
+                      <a:tailEnd type="none" w="med" len="med"/>
+                    </a:lnT>
+                    <a:lnB w="9525" cap="flat" cmpd="sng" algn="ctr">
+                      <a:solidFill>
+                        <a:srgbClr val="CCCCCC"/>
+                      </a:solidFill>
+                      <a:prstDash val="solid"/>
+                      <a:round/>
+                      <a:headEnd type="none" w="med" len="med"/>
+                      <a:tailEnd type="none" w="med" len="med"/>
+                    </a:lnB>
+                  </a:tcPr>
+                </a:tc>
+                <a:tc>
+                  <a:txBody>
+                    <a:bodyPr/>
+                    <a:lstStyle/>
+                    <a:p>
+                      <a:pPr rtl="0" fontAlgn="b"/>
+                      <a:r>
+                        <a:rPr lang="en-US" sz="1200" b="0">
+                          <a:effectLst/>
+                          <a:latin typeface="Calibri" panose="020F0502020204030204" pitchFamily="34" charset="0"/>
+                        </a:rPr>
+                        <a:t>Bridget Re</a:t>
+                      </a:r>
+                    </a:p>
+                  </a:txBody>
+                  <a:tcPr marL="28575" marR="28575" marT="19050" marB="19050" anchor="b">
+                    <a:lnL w="9525" cap="flat" cmpd="sng" algn="ctr">
+                      <a:solidFill>
+                        <a:srgbClr val="CCCCCC"/>
+                      </a:solidFill>
+                      <a:prstDash val="solid"/>
+                      <a:round/>
+                      <a:headEnd type="none" w="med" len="med"/>
+                      <a:tailEnd type="none" w="med" len="med"/>
+                    </a:lnL>
+                    <a:lnR w="9525" cap="flat" cmpd="sng" algn="ctr">
+                      <a:solidFill>
+                        <a:srgbClr val="CCCCCC"/>
+                      </a:solidFill>
+                      <a:prstDash val="solid"/>
+                      <a:round/>
+                      <a:headEnd type="none" w="med" len="med"/>
+                      <a:tailEnd type="none" w="med" len="med"/>
+                    </a:lnR>
+                    <a:lnT w="9525" cap="flat" cmpd="sng" algn="ctr">
+                      <a:solidFill>
+                        <a:srgbClr val="CCCCCC"/>
+                      </a:solidFill>
+                      <a:prstDash val="solid"/>
+                      <a:round/>
+                      <a:headEnd type="none" w="med" len="med"/>
+                      <a:tailEnd type="none" w="med" len="med"/>
+                    </a:lnT>
+                    <a:lnB w="9525" cap="flat" cmpd="sng" algn="ctr">
+                      <a:solidFill>
+                        <a:srgbClr val="CCCCCC"/>
+                      </a:solidFill>
+                      <a:prstDash val="solid"/>
+                      <a:round/>
+                      <a:headEnd type="none" w="med" len="med"/>
+                      <a:tailEnd type="none" w="med" len="med"/>
+                    </a:lnB>
+                  </a:tcPr>
+                </a:tc>
+                <a:tc>
+                  <a:txBody>
+                    <a:bodyPr/>
+                    <a:lstStyle/>
+                    <a:p>
+                      <a:pPr rtl="0" fontAlgn="b"/>
+                      <a:r>
+                        <a:rPr lang="en-US" sz="1200" b="0">
+                          <a:effectLst/>
+                          <a:latin typeface="Calibri" panose="020F0502020204030204" pitchFamily="34" charset="0"/>
+                        </a:rPr>
+                        <a:t>Garrett Lawson</a:t>
+                      </a:r>
+                    </a:p>
+                  </a:txBody>
+                  <a:tcPr marL="28575" marR="28575" marT="19050" marB="19050" anchor="b">
+                    <a:lnL w="9525" cap="flat" cmpd="sng" algn="ctr">
+                      <a:solidFill>
+                        <a:srgbClr val="CCCCCC"/>
+                      </a:solidFill>
+                      <a:prstDash val="solid"/>
+                      <a:round/>
+                      <a:headEnd type="none" w="med" len="med"/>
+                      <a:tailEnd type="none" w="med" len="med"/>
+                    </a:lnL>
+                    <a:lnR w="9525" cap="flat" cmpd="sng" algn="ctr">
+                      <a:solidFill>
+                        <a:srgbClr val="CCCCCC"/>
+                      </a:solidFill>
+                      <a:prstDash val="solid"/>
+                      <a:round/>
+                      <a:headEnd type="none" w="med" len="med"/>
+                      <a:tailEnd type="none" w="med" len="med"/>
+                    </a:lnR>
+                    <a:lnT w="9525" cap="flat" cmpd="sng" algn="ctr">
+                      <a:solidFill>
+                        <a:srgbClr val="CCCCCC"/>
+                      </a:solidFill>
+                      <a:prstDash val="solid"/>
+                      <a:round/>
+                      <a:headEnd type="none" w="med" len="med"/>
+                      <a:tailEnd type="none" w="med" len="med"/>
+                    </a:lnT>
+                    <a:lnB w="9525" cap="flat" cmpd="sng" algn="ctr">
+                      <a:solidFill>
+                        <a:srgbClr val="CCCCCC"/>
+                      </a:solidFill>
+                      <a:prstDash val="solid"/>
+                      <a:round/>
+                      <a:headEnd type="none" w="med" len="med"/>
+                      <a:tailEnd type="none" w="med" len="med"/>
+                    </a:lnB>
+                  </a:tcPr>
+                </a:tc>
+                <a:tc>
+                  <a:txBody>
+                    <a:bodyPr/>
+                    <a:lstStyle/>
+                    <a:p>
+                      <a:pPr rtl="0" fontAlgn="b"/>
+                      <a:r>
+                        <a:rPr lang="en-US" sz="1200" b="0">
+                          <a:effectLst/>
+                          <a:latin typeface="Calibri" panose="020F0502020204030204" pitchFamily="34" charset="0"/>
+                        </a:rPr>
+                        <a:t>Brandon Crawford</a:t>
+                      </a:r>
+                    </a:p>
+                  </a:txBody>
+                  <a:tcPr marL="28575" marR="28575" marT="19050" marB="19050" anchor="b">
+                    <a:lnL w="9525" cap="flat" cmpd="sng" algn="ctr">
+                      <a:solidFill>
+                        <a:srgbClr val="CCCCCC"/>
+                      </a:solidFill>
+                      <a:prstDash val="solid"/>
+                      <a:round/>
+                      <a:headEnd type="none" w="med" len="med"/>
+                      <a:tailEnd type="none" w="med" len="med"/>
+                    </a:lnL>
+                    <a:lnR w="9525" cap="flat" cmpd="sng" algn="ctr">
+                      <a:solidFill>
+                        <a:srgbClr val="CCCCCC"/>
+                      </a:solidFill>
+                      <a:prstDash val="solid"/>
+                      <a:round/>
+                      <a:headEnd type="none" w="med" len="med"/>
+                      <a:tailEnd type="none" w="med" len="med"/>
+                    </a:lnR>
+                    <a:lnT w="9525" cap="flat" cmpd="sng" algn="ctr">
+                      <a:solidFill>
+                        <a:srgbClr val="CCCCCC"/>
+                      </a:solidFill>
+                      <a:prstDash val="solid"/>
+                      <a:round/>
+                      <a:headEnd type="none" w="med" len="med"/>
+                      <a:tailEnd type="none" w="med" len="med"/>
+                    </a:lnT>
+                    <a:lnB w="9525" cap="flat" cmpd="sng" algn="ctr">
+                      <a:solidFill>
+                        <a:srgbClr val="CCCCCC"/>
+                      </a:solidFill>
+                      <a:prstDash val="solid"/>
+                      <a:round/>
+                      <a:headEnd type="none" w="med" len="med"/>
+                      <a:tailEnd type="none" w="med" len="med"/>
+                    </a:lnB>
+                  </a:tcPr>
+                </a:tc>
+                <a:tc>
+                  <a:txBody>
+                    <a:bodyPr/>
+                    <a:lstStyle/>
+                    <a:p>
+                      <a:pPr rtl="0" fontAlgn="b"/>
+                      <a:r>
+                        <a:rPr lang="en-US" sz="1200" b="0">
+                          <a:effectLst/>
+                          <a:latin typeface="Calibri" panose="020F0502020204030204" pitchFamily="34" charset="0"/>
+                        </a:rPr>
+                        <a:t>Tom Hudson</a:t>
+                      </a:r>
+                    </a:p>
+                  </a:txBody>
+                  <a:tcPr marL="28575" marR="28575" marT="19050" marB="19050" anchor="b">
+                    <a:lnL w="9525" cap="flat" cmpd="sng" algn="ctr">
+                      <a:solidFill>
+                        <a:srgbClr val="CCCCCC"/>
+                      </a:solidFill>
+                      <a:prstDash val="solid"/>
+                      <a:round/>
+                      <a:headEnd type="none" w="med" len="med"/>
+                      <a:tailEnd type="none" w="med" len="med"/>
+                    </a:lnL>
+                    <a:lnR w="9525" cap="flat" cmpd="sng" algn="ctr">
+                      <a:solidFill>
+                        <a:srgbClr val="CCCCCC"/>
+                      </a:solidFill>
+                      <a:prstDash val="solid"/>
+                      <a:round/>
+                      <a:headEnd type="none" w="med" len="med"/>
+                      <a:tailEnd type="none" w="med" len="med"/>
+                    </a:lnR>
+                    <a:lnT w="9525" cap="flat" cmpd="sng" algn="ctr">
+                      <a:solidFill>
+                        <a:srgbClr val="CCCCCC"/>
+                      </a:solidFill>
+                      <a:prstDash val="solid"/>
+                      <a:round/>
+                      <a:headEnd type="none" w="med" len="med"/>
+                      <a:tailEnd type="none" w="med" len="med"/>
+                    </a:lnT>
+                    <a:lnB w="9525" cap="flat" cmpd="sng" algn="ctr">
+                      <a:solidFill>
+                        <a:srgbClr val="CCCCCC"/>
+                      </a:solidFill>
+                      <a:prstDash val="solid"/>
+                      <a:round/>
+                      <a:headEnd type="none" w="med" len="med"/>
+                      <a:tailEnd type="none" w="med" len="med"/>
+                    </a:lnB>
+                  </a:tcPr>
+                </a:tc>
+                <a:tc>
+                  <a:txBody>
+                    <a:bodyPr/>
+                    <a:lstStyle/>
+                    <a:p>
+                      <a:pPr rtl="0" fontAlgn="b"/>
+                      <a:endParaRPr lang="en-US">
+                        <a:effectLst/>
+                      </a:endParaRPr>
+                    </a:p>
+                  </a:txBody>
+                  <a:tcPr marL="28575" marR="28575" marT="19050" marB="19050" anchor="b">
+                    <a:lnL w="9525" cap="flat" cmpd="sng" algn="ctr">
+                      <a:solidFill>
+                        <a:srgbClr val="CCCCCC"/>
+                      </a:solidFill>
+                      <a:prstDash val="solid"/>
+                      <a:round/>
+                      <a:headEnd type="none" w="med" len="med"/>
+                      <a:tailEnd type="none" w="med" len="med"/>
+                    </a:lnL>
+                    <a:lnR w="9525" cap="flat" cmpd="sng" algn="ctr">
+                      <a:solidFill>
+                        <a:srgbClr val="CCCCCC"/>
+                      </a:solidFill>
+                      <a:prstDash val="solid"/>
+                      <a:round/>
+                      <a:headEnd type="none" w="med" len="med"/>
+                      <a:tailEnd type="none" w="med" len="med"/>
+                    </a:lnR>
+                    <a:lnT w="9525" cap="flat" cmpd="sng" algn="ctr">
+                      <a:solidFill>
+                        <a:srgbClr val="CCCCCC"/>
+                      </a:solidFill>
+                      <a:prstDash val="solid"/>
+                      <a:round/>
+                      <a:headEnd type="none" w="med" len="med"/>
+                      <a:tailEnd type="none" w="med" len="med"/>
+                    </a:lnT>
+                    <a:lnB w="9525" cap="flat" cmpd="sng" algn="ctr">
+                      <a:solidFill>
+                        <a:srgbClr val="CCCCCC"/>
+                      </a:solidFill>
+                      <a:prstDash val="solid"/>
+                      <a:round/>
+                      <a:headEnd type="none" w="med" len="med"/>
+                      <a:tailEnd type="none" w="med" len="med"/>
+                    </a:lnB>
+                  </a:tcPr>
+                </a:tc>
+                <a:extLst>
+                  <a:ext uri="{0D108BD9-81ED-4DB2-BD59-A6C34878D82A}">
+                    <a16:rowId xmlns:a16="http://schemas.microsoft.com/office/drawing/2014/main" val="2963683593"/>
+                  </a:ext>
+                </a:extLst>
+              </a:tr>
+              <a:tr h="200025">
+                <a:tc>
+                  <a:txBody>
+                    <a:bodyPr/>
+                    <a:lstStyle/>
+                    <a:p>
+                      <a:pPr algn="r" rtl="0" fontAlgn="b"/>
+                      <a:r>
+                        <a:rPr lang="en-US" sz="1200" b="0">
+                          <a:effectLst/>
+                          <a:latin typeface="Calibri" panose="020F0502020204030204" pitchFamily="34" charset="0"/>
+                        </a:rPr>
+                        <a:t>18-Apr</a:t>
+                      </a:r>
+                    </a:p>
+                  </a:txBody>
+                  <a:tcPr marL="28575" marR="28575" marT="19050" marB="19050" anchor="b">
+                    <a:lnL w="9525" cap="flat" cmpd="sng" algn="ctr">
+                      <a:solidFill>
+                        <a:srgbClr val="CCCCCC"/>
+                      </a:solidFill>
+                      <a:prstDash val="solid"/>
+                      <a:round/>
+                      <a:headEnd type="none" w="med" len="med"/>
+                      <a:tailEnd type="none" w="med" len="med"/>
+                    </a:lnL>
+                    <a:lnR w="9525" cap="flat" cmpd="sng" algn="ctr">
+                      <a:solidFill>
+                        <a:srgbClr val="CCCCCC"/>
+                      </a:solidFill>
+                      <a:prstDash val="solid"/>
+                      <a:round/>
+                      <a:headEnd type="none" w="med" len="med"/>
+                      <a:tailEnd type="none" w="med" len="med"/>
+                    </a:lnR>
+                    <a:lnT w="9525" cap="flat" cmpd="sng" algn="ctr">
+                      <a:solidFill>
+                        <a:srgbClr val="CCCCCC"/>
+                      </a:solidFill>
+                      <a:prstDash val="solid"/>
+                      <a:round/>
+                      <a:headEnd type="none" w="med" len="med"/>
+                      <a:tailEnd type="none" w="med" len="med"/>
+                    </a:lnT>
+                    <a:lnB w="9525" cap="flat" cmpd="sng" algn="ctr">
+                      <a:solidFill>
+                        <a:srgbClr val="CCCCCC"/>
+                      </a:solidFill>
+                      <a:prstDash val="solid"/>
+                      <a:round/>
+                      <a:headEnd type="none" w="med" len="med"/>
+                      <a:tailEnd type="none" w="med" len="med"/>
+                    </a:lnB>
+                  </a:tcPr>
+                </a:tc>
+                <a:tc>
+                  <a:txBody>
+                    <a:bodyPr/>
+                    <a:lstStyle/>
+                    <a:p>
+                      <a:pPr rtl="0" fontAlgn="b"/>
+                      <a:r>
+                        <a:rPr lang="en-US" sz="1200" b="0">
+                          <a:effectLst/>
+                          <a:latin typeface="Calibri" panose="020F0502020204030204" pitchFamily="34" charset="0"/>
+                        </a:rPr>
+                        <a:t>Mychala Snead</a:t>
+                      </a:r>
+                    </a:p>
+                  </a:txBody>
+                  <a:tcPr marL="28575" marR="28575" marT="19050" marB="19050" anchor="b">
+                    <a:lnL w="9525" cap="flat" cmpd="sng" algn="ctr">
+                      <a:solidFill>
+                        <a:srgbClr val="CCCCCC"/>
+                      </a:solidFill>
+                      <a:prstDash val="solid"/>
+                      <a:round/>
+                      <a:headEnd type="none" w="med" len="med"/>
+                      <a:tailEnd type="none" w="med" len="med"/>
+                    </a:lnL>
+                    <a:lnR w="9525" cap="flat" cmpd="sng" algn="ctr">
+                      <a:solidFill>
+                        <a:srgbClr val="CCCCCC"/>
+                      </a:solidFill>
+                      <a:prstDash val="solid"/>
+                      <a:round/>
+                      <a:headEnd type="none" w="med" len="med"/>
+                      <a:tailEnd type="none" w="med" len="med"/>
+                    </a:lnR>
+                    <a:lnT w="9525" cap="flat" cmpd="sng" algn="ctr">
+                      <a:solidFill>
+                        <a:srgbClr val="CCCCCC"/>
+                      </a:solidFill>
+                      <a:prstDash val="solid"/>
+                      <a:round/>
+                      <a:headEnd type="none" w="med" len="med"/>
+                      <a:tailEnd type="none" w="med" len="med"/>
+                    </a:lnT>
+                    <a:lnB w="9525" cap="flat" cmpd="sng" algn="ctr">
+                      <a:solidFill>
+                        <a:srgbClr val="CCCCCC"/>
+                      </a:solidFill>
+                      <a:prstDash val="solid"/>
+                      <a:round/>
+                      <a:headEnd type="none" w="med" len="med"/>
+                      <a:tailEnd type="none" w="med" len="med"/>
+                    </a:lnB>
+                  </a:tcPr>
+                </a:tc>
+                <a:tc>
+                  <a:txBody>
+                    <a:bodyPr/>
+                    <a:lstStyle/>
+                    <a:p>
+                      <a:pPr rtl="0" fontAlgn="b"/>
+                      <a:r>
+                        <a:rPr lang="en-US" sz="1200" b="0">
+                          <a:effectLst/>
+                          <a:latin typeface="Calibri" panose="020F0502020204030204" pitchFamily="34" charset="0"/>
+                        </a:rPr>
+                        <a:t>Riley Meyers</a:t>
+                      </a:r>
+                    </a:p>
+                  </a:txBody>
+                  <a:tcPr marL="28575" marR="28575" marT="19050" marB="19050" anchor="b">
+                    <a:lnL w="9525" cap="flat" cmpd="sng" algn="ctr">
+                      <a:solidFill>
+                        <a:srgbClr val="CCCCCC"/>
+                      </a:solidFill>
+                      <a:prstDash val="solid"/>
+                      <a:round/>
+                      <a:headEnd type="none" w="med" len="med"/>
+                      <a:tailEnd type="none" w="med" len="med"/>
+                    </a:lnL>
+                    <a:lnR w="9525" cap="flat" cmpd="sng" algn="ctr">
+                      <a:solidFill>
+                        <a:srgbClr val="CCCCCC"/>
+                      </a:solidFill>
+                      <a:prstDash val="solid"/>
+                      <a:round/>
+                      <a:headEnd type="none" w="med" len="med"/>
+                      <a:tailEnd type="none" w="med" len="med"/>
+                    </a:lnR>
+                    <a:lnT w="9525" cap="flat" cmpd="sng" algn="ctr">
+                      <a:solidFill>
+                        <a:srgbClr val="CCCCCC"/>
+                      </a:solidFill>
+                      <a:prstDash val="solid"/>
+                      <a:round/>
+                      <a:headEnd type="none" w="med" len="med"/>
+                      <a:tailEnd type="none" w="med" len="med"/>
+                    </a:lnT>
+                    <a:lnB w="9525" cap="flat" cmpd="sng" algn="ctr">
+                      <a:solidFill>
+                        <a:srgbClr val="CCCCCC"/>
+                      </a:solidFill>
+                      <a:prstDash val="solid"/>
+                      <a:round/>
+                      <a:headEnd type="none" w="med" len="med"/>
+                      <a:tailEnd type="none" w="med" len="med"/>
+                    </a:lnB>
+                  </a:tcPr>
+                </a:tc>
+                <a:tc>
+                  <a:txBody>
+                    <a:bodyPr/>
+                    <a:lstStyle/>
+                    <a:p>
+                      <a:pPr rtl="0" fontAlgn="b"/>
+                      <a:r>
+                        <a:rPr lang="en-US" sz="1200" b="0">
+                          <a:effectLst/>
+                          <a:latin typeface="Calibri" panose="020F0502020204030204" pitchFamily="34" charset="0"/>
+                        </a:rPr>
+                        <a:t>Caylen Wolfer</a:t>
+                      </a:r>
+                    </a:p>
+                  </a:txBody>
+                  <a:tcPr marL="28575" marR="28575" marT="19050" marB="19050" anchor="b">
+                    <a:lnL w="9525" cap="flat" cmpd="sng" algn="ctr">
+                      <a:solidFill>
+                        <a:srgbClr val="CCCCCC"/>
+                      </a:solidFill>
+                      <a:prstDash val="solid"/>
+                      <a:round/>
+                      <a:headEnd type="none" w="med" len="med"/>
+                      <a:tailEnd type="none" w="med" len="med"/>
+                    </a:lnL>
+                    <a:lnR w="9525" cap="flat" cmpd="sng" algn="ctr">
+                      <a:solidFill>
+                        <a:srgbClr val="CCCCCC"/>
+                      </a:solidFill>
+                      <a:prstDash val="solid"/>
+                      <a:round/>
+                      <a:headEnd type="none" w="med" len="med"/>
+                      <a:tailEnd type="none" w="med" len="med"/>
+                    </a:lnR>
+                    <a:lnT w="9525" cap="flat" cmpd="sng" algn="ctr">
+                      <a:solidFill>
+                        <a:srgbClr val="CCCCCC"/>
+                      </a:solidFill>
+                      <a:prstDash val="solid"/>
+                      <a:round/>
+                      <a:headEnd type="none" w="med" len="med"/>
+                      <a:tailEnd type="none" w="med" len="med"/>
+                    </a:lnT>
+                    <a:lnB w="9525" cap="flat" cmpd="sng" algn="ctr">
+                      <a:solidFill>
+                        <a:srgbClr val="CCCCCC"/>
+                      </a:solidFill>
+                      <a:prstDash val="solid"/>
+                      <a:round/>
+                      <a:headEnd type="none" w="med" len="med"/>
+                      <a:tailEnd type="none" w="med" len="med"/>
+                    </a:lnB>
+                  </a:tcPr>
+                </a:tc>
+                <a:tc>
+                  <a:txBody>
+                    <a:bodyPr/>
+                    <a:lstStyle/>
+                    <a:p>
+                      <a:pPr rtl="0" fontAlgn="b"/>
+                      <a:r>
+                        <a:rPr lang="en-US" sz="1200" b="0">
+                          <a:effectLst/>
+                          <a:latin typeface="Calibri" panose="020F0502020204030204" pitchFamily="34" charset="0"/>
+                        </a:rPr>
+                        <a:t>Gretel Baur</a:t>
+                      </a:r>
+                    </a:p>
+                  </a:txBody>
+                  <a:tcPr marL="28575" marR="28575" marT="19050" marB="19050" anchor="b">
+                    <a:lnL w="9525" cap="flat" cmpd="sng" algn="ctr">
+                      <a:solidFill>
+                        <a:srgbClr val="CCCCCC"/>
+                      </a:solidFill>
+                      <a:prstDash val="solid"/>
+                      <a:round/>
+                      <a:headEnd type="none" w="med" len="med"/>
+                      <a:tailEnd type="none" w="med" len="med"/>
+                    </a:lnL>
+                    <a:lnR w="9525" cap="flat" cmpd="sng" algn="ctr">
+                      <a:solidFill>
+                        <a:srgbClr val="CCCCCC"/>
+                      </a:solidFill>
+                      <a:prstDash val="solid"/>
+                      <a:round/>
+                      <a:headEnd type="none" w="med" len="med"/>
+                      <a:tailEnd type="none" w="med" len="med"/>
+                    </a:lnR>
+                    <a:lnT w="9525" cap="flat" cmpd="sng" algn="ctr">
+                      <a:solidFill>
+                        <a:srgbClr val="CCCCCC"/>
+                      </a:solidFill>
+                      <a:prstDash val="solid"/>
+                      <a:round/>
+                      <a:headEnd type="none" w="med" len="med"/>
+                      <a:tailEnd type="none" w="med" len="med"/>
+                    </a:lnT>
+                    <a:lnB w="9525" cap="flat" cmpd="sng" algn="ctr">
+                      <a:solidFill>
+                        <a:srgbClr val="CCCCCC"/>
+                      </a:solidFill>
+                      <a:prstDash val="solid"/>
+                      <a:round/>
+                      <a:headEnd type="none" w="med" len="med"/>
+                      <a:tailEnd type="none" w="med" len="med"/>
+                    </a:lnB>
+                  </a:tcPr>
+                </a:tc>
+                <a:tc>
+                  <a:txBody>
+                    <a:bodyPr/>
+                    <a:lstStyle/>
+                    <a:p>
+                      <a:pPr rtl="0" fontAlgn="b"/>
+                      <a:r>
+                        <a:rPr lang="en-US">
+                          <a:effectLst/>
+                        </a:rPr>
+                        <a:t>Tanner Ray Humbert</a:t>
+                      </a:r>
+                    </a:p>
+                  </a:txBody>
+                  <a:tcPr marL="28575" marR="28575" marT="19050" marB="19050" anchor="b">
+                    <a:lnL w="9525" cap="flat" cmpd="sng" algn="ctr">
+                      <a:solidFill>
+                        <a:srgbClr val="CCCCCC"/>
+                      </a:solidFill>
+                      <a:prstDash val="solid"/>
+                      <a:round/>
+                      <a:headEnd type="none" w="med" len="med"/>
+                      <a:tailEnd type="none" w="med" len="med"/>
+                    </a:lnL>
+                    <a:lnR w="9525" cap="flat" cmpd="sng" algn="ctr">
+                      <a:solidFill>
+                        <a:srgbClr val="CCCCCC"/>
+                      </a:solidFill>
+                      <a:prstDash val="solid"/>
+                      <a:round/>
+                      <a:headEnd type="none" w="med" len="med"/>
+                      <a:tailEnd type="none" w="med" len="med"/>
+                    </a:lnR>
+                    <a:lnT w="9525" cap="flat" cmpd="sng" algn="ctr">
+                      <a:solidFill>
+                        <a:srgbClr val="CCCCCC"/>
+                      </a:solidFill>
+                      <a:prstDash val="solid"/>
+                      <a:round/>
+                      <a:headEnd type="none" w="med" len="med"/>
+                      <a:tailEnd type="none" w="med" len="med"/>
+                    </a:lnT>
+                    <a:lnB w="9525" cap="flat" cmpd="sng" algn="ctr">
+                      <a:solidFill>
+                        <a:srgbClr val="CCCCCC"/>
+                      </a:solidFill>
+                      <a:prstDash val="solid"/>
+                      <a:round/>
+                      <a:headEnd type="none" w="med" len="med"/>
+                      <a:tailEnd type="none" w="med" len="med"/>
+                    </a:lnB>
+                  </a:tcPr>
+                </a:tc>
+                <a:extLst>
+                  <a:ext uri="{0D108BD9-81ED-4DB2-BD59-A6C34878D82A}">
+                    <a16:rowId xmlns:a16="http://schemas.microsoft.com/office/drawing/2014/main" val="919281677"/>
+                  </a:ext>
+                </a:extLst>
+              </a:tr>
+              <a:tr h="200025">
+                <a:tc>
+                  <a:txBody>
+                    <a:bodyPr/>
+                    <a:lstStyle/>
+                    <a:p>
+                      <a:pPr algn="r" rtl="0" fontAlgn="b"/>
+                      <a:r>
+                        <a:rPr lang="en-US" sz="1200" b="0">
+                          <a:effectLst/>
+                          <a:latin typeface="Calibri" panose="020F0502020204030204" pitchFamily="34" charset="0"/>
+                        </a:rPr>
+                        <a:t>23-Apr</a:t>
+                      </a:r>
+                    </a:p>
+                  </a:txBody>
+                  <a:tcPr marL="28575" marR="28575" marT="19050" marB="19050" anchor="b">
+                    <a:lnL w="9525" cap="flat" cmpd="sng" algn="ctr">
+                      <a:solidFill>
+                        <a:srgbClr val="CCCCCC"/>
+                      </a:solidFill>
+                      <a:prstDash val="solid"/>
+                      <a:round/>
+                      <a:headEnd type="none" w="med" len="med"/>
+                      <a:tailEnd type="none" w="med" len="med"/>
+                    </a:lnL>
+                    <a:lnR w="9525" cap="flat" cmpd="sng" algn="ctr">
+                      <a:solidFill>
+                        <a:srgbClr val="CCCCCC"/>
+                      </a:solidFill>
+                      <a:prstDash val="solid"/>
+                      <a:round/>
+                      <a:headEnd type="none" w="med" len="med"/>
+                      <a:tailEnd type="none" w="med" len="med"/>
+                    </a:lnR>
+                    <a:lnT w="9525" cap="flat" cmpd="sng" algn="ctr">
+                      <a:solidFill>
+                        <a:srgbClr val="CCCCCC"/>
+                      </a:solidFill>
+                      <a:prstDash val="solid"/>
+                      <a:round/>
+                      <a:headEnd type="none" w="med" len="med"/>
+                      <a:tailEnd type="none" w="med" len="med"/>
+                    </a:lnT>
+                    <a:lnB w="9525" cap="flat" cmpd="sng" algn="ctr">
+                      <a:solidFill>
+                        <a:srgbClr val="CCCCCC"/>
+                      </a:solidFill>
+                      <a:prstDash val="solid"/>
+                      <a:round/>
+                      <a:headEnd type="none" w="med" len="med"/>
+                      <a:tailEnd type="none" w="med" len="med"/>
+                    </a:lnB>
+                  </a:tcPr>
+                </a:tc>
+                <a:tc>
+                  <a:txBody>
+                    <a:bodyPr/>
+                    <a:lstStyle/>
+                    <a:p>
+                      <a:pPr rtl="0" fontAlgn="b"/>
+                      <a:r>
+                        <a:rPr lang="en-US" sz="1200" b="0">
+                          <a:effectLst/>
+                          <a:latin typeface="Calibri" panose="020F0502020204030204" pitchFamily="34" charset="0"/>
+                        </a:rPr>
+                        <a:t>Austin Holloway</a:t>
+                      </a:r>
+                    </a:p>
+                  </a:txBody>
+                  <a:tcPr marL="28575" marR="28575" marT="19050" marB="19050" anchor="b">
+                    <a:lnL w="9525" cap="flat" cmpd="sng" algn="ctr">
+                      <a:solidFill>
+                        <a:srgbClr val="CCCCCC"/>
+                      </a:solidFill>
+                      <a:prstDash val="solid"/>
+                      <a:round/>
+                      <a:headEnd type="none" w="med" len="med"/>
+                      <a:tailEnd type="none" w="med" len="med"/>
+                    </a:lnL>
+                    <a:lnR w="9525" cap="flat" cmpd="sng" algn="ctr">
+                      <a:solidFill>
+                        <a:srgbClr val="CCCCCC"/>
+                      </a:solidFill>
+                      <a:prstDash val="solid"/>
+                      <a:round/>
+                      <a:headEnd type="none" w="med" len="med"/>
+                      <a:tailEnd type="none" w="med" len="med"/>
+                    </a:lnR>
+                    <a:lnT w="9525" cap="flat" cmpd="sng" algn="ctr">
+                      <a:solidFill>
+                        <a:srgbClr val="CCCCCC"/>
+                      </a:solidFill>
+                      <a:prstDash val="solid"/>
+                      <a:round/>
+                      <a:headEnd type="none" w="med" len="med"/>
+                      <a:tailEnd type="none" w="med" len="med"/>
+                    </a:lnT>
+                    <a:lnB w="9525" cap="flat" cmpd="sng" algn="ctr">
+                      <a:solidFill>
+                        <a:srgbClr val="CCCCCC"/>
+                      </a:solidFill>
+                      <a:prstDash val="solid"/>
+                      <a:round/>
+                      <a:headEnd type="none" w="med" len="med"/>
+                      <a:tailEnd type="none" w="med" len="med"/>
+                    </a:lnB>
+                  </a:tcPr>
+                </a:tc>
+                <a:tc>
+                  <a:txBody>
+                    <a:bodyPr/>
+                    <a:lstStyle/>
+                    <a:p>
+                      <a:pPr rtl="0" fontAlgn="b"/>
+                      <a:r>
+                        <a:rPr lang="en-US" sz="1200" b="0">
+                          <a:effectLst/>
+                          <a:latin typeface="Calibri" panose="020F0502020204030204" pitchFamily="34" charset="0"/>
+                        </a:rPr>
+                        <a:t>Kelley Sinning</a:t>
+                      </a:r>
+                    </a:p>
+                  </a:txBody>
+                  <a:tcPr marL="28575" marR="28575" marT="19050" marB="19050" anchor="b">
+                    <a:lnL w="9525" cap="flat" cmpd="sng" algn="ctr">
+                      <a:solidFill>
+                        <a:srgbClr val="CCCCCC"/>
+                      </a:solidFill>
+                      <a:prstDash val="solid"/>
+                      <a:round/>
+                      <a:headEnd type="none" w="med" len="med"/>
+                      <a:tailEnd type="none" w="med" len="med"/>
+                    </a:lnL>
+                    <a:lnR w="9525" cap="flat" cmpd="sng" algn="ctr">
+                      <a:solidFill>
+                        <a:srgbClr val="CCCCCC"/>
+                      </a:solidFill>
+                      <a:prstDash val="solid"/>
+                      <a:round/>
+                      <a:headEnd type="none" w="med" len="med"/>
+                      <a:tailEnd type="none" w="med" len="med"/>
+                    </a:lnR>
+                    <a:lnT w="9525" cap="flat" cmpd="sng" algn="ctr">
+                      <a:solidFill>
+                        <a:srgbClr val="CCCCCC"/>
+                      </a:solidFill>
+                      <a:prstDash val="solid"/>
+                      <a:round/>
+                      <a:headEnd type="none" w="med" len="med"/>
+                      <a:tailEnd type="none" w="med" len="med"/>
+                    </a:lnT>
+                    <a:lnB w="9525" cap="flat" cmpd="sng" algn="ctr">
+                      <a:solidFill>
+                        <a:srgbClr val="CCCCCC"/>
+                      </a:solidFill>
+                      <a:prstDash val="solid"/>
+                      <a:round/>
+                      <a:headEnd type="none" w="med" len="med"/>
+                      <a:tailEnd type="none" w="med" len="med"/>
+                    </a:lnB>
+                  </a:tcPr>
+                </a:tc>
+                <a:tc>
+                  <a:txBody>
+                    <a:bodyPr/>
+                    <a:lstStyle/>
+                    <a:p>
+                      <a:pPr rtl="0" fontAlgn="b"/>
+                      <a:r>
+                        <a:rPr lang="en-US" sz="1200" b="0">
+                          <a:effectLst/>
+                          <a:latin typeface="Calibri" panose="020F0502020204030204" pitchFamily="34" charset="0"/>
+                        </a:rPr>
+                        <a:t>Meredith Snyder</a:t>
+                      </a:r>
+                    </a:p>
+                  </a:txBody>
+                  <a:tcPr marL="28575" marR="28575" marT="19050" marB="19050" anchor="b">
+                    <a:lnL w="9525" cap="flat" cmpd="sng" algn="ctr">
+                      <a:solidFill>
+                        <a:srgbClr val="CCCCCC"/>
+                      </a:solidFill>
+                      <a:prstDash val="solid"/>
+                      <a:round/>
+                      <a:headEnd type="none" w="med" len="med"/>
+                      <a:tailEnd type="none" w="med" len="med"/>
+                    </a:lnL>
+                    <a:lnR w="9525" cap="flat" cmpd="sng" algn="ctr">
+                      <a:solidFill>
+                        <a:srgbClr val="CCCCCC"/>
+                      </a:solidFill>
+                      <a:prstDash val="solid"/>
+                      <a:round/>
+                      <a:headEnd type="none" w="med" len="med"/>
+                      <a:tailEnd type="none" w="med" len="med"/>
+                    </a:lnR>
+                    <a:lnT w="9525" cap="flat" cmpd="sng" algn="ctr">
+                      <a:solidFill>
+                        <a:srgbClr val="CCCCCC"/>
+                      </a:solidFill>
+                      <a:prstDash val="solid"/>
+                      <a:round/>
+                      <a:headEnd type="none" w="med" len="med"/>
+                      <a:tailEnd type="none" w="med" len="med"/>
+                    </a:lnT>
+                    <a:lnB w="9525" cap="flat" cmpd="sng" algn="ctr">
+                      <a:solidFill>
+                        <a:srgbClr val="CCCCCC"/>
+                      </a:solidFill>
+                      <a:prstDash val="solid"/>
+                      <a:round/>
+                      <a:headEnd type="none" w="med" len="med"/>
+                      <a:tailEnd type="none" w="med" len="med"/>
+                    </a:lnB>
+                  </a:tcPr>
+                </a:tc>
+                <a:tc>
+                  <a:txBody>
+                    <a:bodyPr/>
+                    <a:lstStyle/>
+                    <a:p>
+                      <a:pPr rtl="0" fontAlgn="b"/>
+                      <a:r>
+                        <a:rPr lang="en-US" sz="1200" b="0">
+                          <a:effectLst/>
+                          <a:latin typeface="Calibri" panose="020F0502020204030204" pitchFamily="34" charset="0"/>
+                        </a:rPr>
+                        <a:t>Elizabeth Sicking</a:t>
+                      </a:r>
+                    </a:p>
+                  </a:txBody>
+                  <a:tcPr marL="28575" marR="28575" marT="19050" marB="19050" anchor="b">
+                    <a:lnL w="9525" cap="flat" cmpd="sng" algn="ctr">
+                      <a:solidFill>
+                        <a:srgbClr val="CCCCCC"/>
+                      </a:solidFill>
+                      <a:prstDash val="solid"/>
+                      <a:round/>
+                      <a:headEnd type="none" w="med" len="med"/>
+                      <a:tailEnd type="none" w="med" len="med"/>
+                    </a:lnL>
+                    <a:lnR w="9525" cap="flat" cmpd="sng" algn="ctr">
+                      <a:solidFill>
+                        <a:srgbClr val="CCCCCC"/>
+                      </a:solidFill>
+                      <a:prstDash val="solid"/>
+                      <a:round/>
+                      <a:headEnd type="none" w="med" len="med"/>
+                      <a:tailEnd type="none" w="med" len="med"/>
+                    </a:lnR>
+                    <a:lnT w="9525" cap="flat" cmpd="sng" algn="ctr">
+                      <a:solidFill>
+                        <a:srgbClr val="CCCCCC"/>
+                      </a:solidFill>
+                      <a:prstDash val="solid"/>
+                      <a:round/>
+                      <a:headEnd type="none" w="med" len="med"/>
+                      <a:tailEnd type="none" w="med" len="med"/>
+                    </a:lnT>
+                    <a:lnB w="9525" cap="flat" cmpd="sng" algn="ctr">
+                      <a:solidFill>
+                        <a:srgbClr val="CCCCCC"/>
+                      </a:solidFill>
+                      <a:prstDash val="solid"/>
+                      <a:round/>
+                      <a:headEnd type="none" w="med" len="med"/>
+                      <a:tailEnd type="none" w="med" len="med"/>
+                    </a:lnB>
+                  </a:tcPr>
+                </a:tc>
+                <a:tc>
+                  <a:txBody>
+                    <a:bodyPr/>
+                    <a:lstStyle/>
+                    <a:p>
+                      <a:pPr rtl="0" fontAlgn="b"/>
+                      <a:r>
+                        <a:rPr lang="en-US">
+                          <a:effectLst/>
+                        </a:rPr>
+                        <a:t>Abir Jain</a:t>
+                      </a:r>
+                    </a:p>
+                  </a:txBody>
+                  <a:tcPr marL="28575" marR="28575" marT="19050" marB="19050" anchor="b">
+                    <a:lnL w="9525" cap="flat" cmpd="sng" algn="ctr">
+                      <a:solidFill>
+                        <a:srgbClr val="CCCCCC"/>
+                      </a:solidFill>
+                      <a:prstDash val="solid"/>
+                      <a:round/>
+                      <a:headEnd type="none" w="med" len="med"/>
+                      <a:tailEnd type="none" w="med" len="med"/>
+                    </a:lnL>
+                    <a:lnR w="9525" cap="flat" cmpd="sng" algn="ctr">
+                      <a:solidFill>
+                        <a:srgbClr val="CCCCCC"/>
+                      </a:solidFill>
+                      <a:prstDash val="solid"/>
+                      <a:round/>
+                      <a:headEnd type="none" w="med" len="med"/>
+                      <a:tailEnd type="none" w="med" len="med"/>
+                    </a:lnR>
+                    <a:lnT w="9525" cap="flat" cmpd="sng" algn="ctr">
+                      <a:solidFill>
+                        <a:srgbClr val="CCCCCC"/>
+                      </a:solidFill>
+                      <a:prstDash val="solid"/>
+                      <a:round/>
+                      <a:headEnd type="none" w="med" len="med"/>
+                      <a:tailEnd type="none" w="med" len="med"/>
+                    </a:lnT>
+                    <a:lnB w="9525" cap="flat" cmpd="sng" algn="ctr">
+                      <a:solidFill>
+                        <a:srgbClr val="CCCCCC"/>
+                      </a:solidFill>
+                      <a:prstDash val="solid"/>
+                      <a:round/>
+                      <a:headEnd type="none" w="med" len="med"/>
+                      <a:tailEnd type="none" w="med" len="med"/>
+                    </a:lnB>
+                    <a:solidFill>
+                      <a:srgbClr val="FFFFFF"/>
+                    </a:solidFill>
+                  </a:tcPr>
+                </a:tc>
+                <a:extLst>
+                  <a:ext uri="{0D108BD9-81ED-4DB2-BD59-A6C34878D82A}">
+                    <a16:rowId xmlns:a16="http://schemas.microsoft.com/office/drawing/2014/main" val="1218201976"/>
+                  </a:ext>
+                </a:extLst>
+              </a:tr>
+              <a:tr h="200025">
+                <a:tc>
+                  <a:txBody>
+                    <a:bodyPr/>
+                    <a:lstStyle/>
+                    <a:p>
+                      <a:pPr algn="r" rtl="0" fontAlgn="b"/>
+                      <a:r>
+                        <a:rPr lang="en-US" sz="1200" b="0">
+                          <a:effectLst/>
+                          <a:latin typeface="Calibri" panose="020F0502020204030204" pitchFamily="34" charset="0"/>
+                        </a:rPr>
+                        <a:t>25-Apr</a:t>
+                      </a:r>
+                    </a:p>
+                  </a:txBody>
+                  <a:tcPr marL="28575" marR="28575" marT="19050" marB="19050" anchor="b">
+                    <a:lnL w="9525" cap="flat" cmpd="sng" algn="ctr">
+                      <a:solidFill>
+                        <a:srgbClr val="CCCCCC"/>
+                      </a:solidFill>
+                      <a:prstDash val="solid"/>
+                      <a:round/>
+                      <a:headEnd type="none" w="med" len="med"/>
+                      <a:tailEnd type="none" w="med" len="med"/>
+                    </a:lnL>
+                    <a:lnR w="9525" cap="flat" cmpd="sng" algn="ctr">
+                      <a:solidFill>
+                        <a:srgbClr val="CCCCCC"/>
+                      </a:solidFill>
+                      <a:prstDash val="solid"/>
+                      <a:round/>
+                      <a:headEnd type="none" w="med" len="med"/>
+                      <a:tailEnd type="none" w="med" len="med"/>
+                    </a:lnR>
+                    <a:lnT w="9525" cap="flat" cmpd="sng" algn="ctr">
+                      <a:solidFill>
+                        <a:srgbClr val="CCCCCC"/>
+                      </a:solidFill>
+                      <a:prstDash val="solid"/>
+                      <a:round/>
+                      <a:headEnd type="none" w="med" len="med"/>
+                      <a:tailEnd type="none" w="med" len="med"/>
+                    </a:lnT>
+                    <a:lnB w="9525" cap="flat" cmpd="sng" algn="ctr">
+                      <a:solidFill>
+                        <a:srgbClr val="CCCCCC"/>
+                      </a:solidFill>
+                      <a:prstDash val="solid"/>
+                      <a:round/>
+                      <a:headEnd type="none" w="med" len="med"/>
+                      <a:tailEnd type="none" w="med" len="med"/>
+                    </a:lnB>
+                  </a:tcPr>
+                </a:tc>
+                <a:tc>
+                  <a:txBody>
+                    <a:bodyPr/>
+                    <a:lstStyle/>
+                    <a:p>
+                      <a:pPr rtl="0" fontAlgn="b"/>
+                      <a:r>
+                        <a:rPr lang="en-US" sz="1200" b="0">
+                          <a:effectLst/>
+                          <a:latin typeface="Calibri" panose="020F0502020204030204" pitchFamily="34" charset="0"/>
+                        </a:rPr>
+                        <a:t>Bibek</a:t>
+                      </a:r>
+                    </a:p>
+                  </a:txBody>
+                  <a:tcPr marL="28575" marR="28575" marT="19050" marB="19050" anchor="b">
+                    <a:lnL w="9525" cap="flat" cmpd="sng" algn="ctr">
+                      <a:solidFill>
+                        <a:srgbClr val="CCCCCC"/>
+                      </a:solidFill>
+                      <a:prstDash val="solid"/>
+                      <a:round/>
+                      <a:headEnd type="none" w="med" len="med"/>
+                      <a:tailEnd type="none" w="med" len="med"/>
+                    </a:lnL>
+                    <a:lnR w="9525" cap="flat" cmpd="sng" algn="ctr">
+                      <a:solidFill>
+                        <a:srgbClr val="CCCCCC"/>
+                      </a:solidFill>
+                      <a:prstDash val="solid"/>
+                      <a:round/>
+                      <a:headEnd type="none" w="med" len="med"/>
+                      <a:tailEnd type="none" w="med" len="med"/>
+                    </a:lnR>
+                    <a:lnT w="9525" cap="flat" cmpd="sng" algn="ctr">
+                      <a:solidFill>
+                        <a:srgbClr val="CCCCCC"/>
+                      </a:solidFill>
+                      <a:prstDash val="solid"/>
+                      <a:round/>
+                      <a:headEnd type="none" w="med" len="med"/>
+                      <a:tailEnd type="none" w="med" len="med"/>
+                    </a:lnT>
+                    <a:lnB w="9525" cap="flat" cmpd="sng" algn="ctr">
+                      <a:solidFill>
+                        <a:srgbClr val="CCCCCC"/>
+                      </a:solidFill>
+                      <a:prstDash val="solid"/>
+                      <a:round/>
+                      <a:headEnd type="none" w="med" len="med"/>
+                      <a:tailEnd type="none" w="med" len="med"/>
+                    </a:lnB>
+                  </a:tcPr>
+                </a:tc>
+                <a:tc>
+                  <a:txBody>
+                    <a:bodyPr/>
+                    <a:lstStyle/>
+                    <a:p>
+                      <a:pPr rtl="0" fontAlgn="b"/>
+                      <a:r>
+                        <a:rPr lang="en-US" sz="1200" b="0">
+                          <a:effectLst/>
+                          <a:latin typeface="Calibri" panose="020F0502020204030204" pitchFamily="34" charset="0"/>
+                        </a:rPr>
+                        <a:t>Dan Watson</a:t>
+                      </a:r>
+                    </a:p>
+                  </a:txBody>
+                  <a:tcPr marL="28575" marR="28575" marT="19050" marB="19050" anchor="b">
+                    <a:lnL w="9525" cap="flat" cmpd="sng" algn="ctr">
+                      <a:solidFill>
+                        <a:srgbClr val="CCCCCC"/>
+                      </a:solidFill>
+                      <a:prstDash val="solid"/>
+                      <a:round/>
+                      <a:headEnd type="none" w="med" len="med"/>
+                      <a:tailEnd type="none" w="med" len="med"/>
+                    </a:lnL>
+                    <a:lnR w="9525" cap="flat" cmpd="sng" algn="ctr">
+                      <a:solidFill>
+                        <a:srgbClr val="CCCCCC"/>
+                      </a:solidFill>
+                      <a:prstDash val="solid"/>
+                      <a:round/>
+                      <a:headEnd type="none" w="med" len="med"/>
+                      <a:tailEnd type="none" w="med" len="med"/>
+                    </a:lnR>
+                    <a:lnT w="9525" cap="flat" cmpd="sng" algn="ctr">
+                      <a:solidFill>
+                        <a:srgbClr val="CCCCCC"/>
+                      </a:solidFill>
+                      <a:prstDash val="solid"/>
+                      <a:round/>
+                      <a:headEnd type="none" w="med" len="med"/>
+                      <a:tailEnd type="none" w="med" len="med"/>
+                    </a:lnT>
+                    <a:lnB w="9525" cap="flat" cmpd="sng" algn="ctr">
+                      <a:solidFill>
+                        <a:srgbClr val="CCCCCC"/>
+                      </a:solidFill>
+                      <a:prstDash val="solid"/>
+                      <a:round/>
+                      <a:headEnd type="none" w="med" len="med"/>
+                      <a:tailEnd type="none" w="med" len="med"/>
+                    </a:lnB>
+                  </a:tcPr>
+                </a:tc>
+                <a:tc>
+                  <a:txBody>
+                    <a:bodyPr/>
+                    <a:lstStyle/>
+                    <a:p>
+                      <a:pPr rtl="0" fontAlgn="b"/>
+                      <a:r>
+                        <a:rPr lang="en-US" sz="1200" b="0">
+                          <a:effectLst/>
+                          <a:latin typeface="Calibri" panose="020F0502020204030204" pitchFamily="34" charset="0"/>
+                        </a:rPr>
+                        <a:t>Grace O'Malley</a:t>
+                      </a:r>
+                    </a:p>
+                  </a:txBody>
+                  <a:tcPr marL="28575" marR="28575" marT="19050" marB="19050" anchor="b">
+                    <a:lnL w="9525" cap="flat" cmpd="sng" algn="ctr">
+                      <a:solidFill>
+                        <a:srgbClr val="CCCCCC"/>
+                      </a:solidFill>
+                      <a:prstDash val="solid"/>
+                      <a:round/>
+                      <a:headEnd type="none" w="med" len="med"/>
+                      <a:tailEnd type="none" w="med" len="med"/>
+                    </a:lnL>
+                    <a:lnR w="9525" cap="flat" cmpd="sng" algn="ctr">
+                      <a:solidFill>
+                        <a:srgbClr val="CCCCCC"/>
+                      </a:solidFill>
+                      <a:prstDash val="solid"/>
+                      <a:round/>
+                      <a:headEnd type="none" w="med" len="med"/>
+                      <a:tailEnd type="none" w="med" len="med"/>
+                    </a:lnR>
+                    <a:lnT w="9525" cap="flat" cmpd="sng" algn="ctr">
+                      <a:solidFill>
+                        <a:srgbClr val="CCCCCC"/>
+                      </a:solidFill>
+                      <a:prstDash val="solid"/>
+                      <a:round/>
+                      <a:headEnd type="none" w="med" len="med"/>
+                      <a:tailEnd type="none" w="med" len="med"/>
+                    </a:lnT>
+                    <a:lnB w="9525" cap="flat" cmpd="sng" algn="ctr">
+                      <a:solidFill>
+                        <a:srgbClr val="CCCCCC"/>
+                      </a:solidFill>
+                      <a:prstDash val="solid"/>
+                      <a:round/>
+                      <a:headEnd type="none" w="med" len="med"/>
+                      <a:tailEnd type="none" w="med" len="med"/>
+                    </a:lnB>
+                  </a:tcPr>
+                </a:tc>
+                <a:tc>
+                  <a:txBody>
+                    <a:bodyPr/>
+                    <a:lstStyle/>
+                    <a:p>
+                      <a:pPr rtl="0" fontAlgn="b"/>
+                      <a:r>
+                        <a:rPr lang="en-US" sz="1200" b="0">
+                          <a:effectLst/>
+                          <a:latin typeface="Calibri" panose="020F0502020204030204" pitchFamily="34" charset="0"/>
+                        </a:rPr>
+                        <a:t>Casey M</a:t>
+                      </a:r>
+                    </a:p>
+                  </a:txBody>
+                  <a:tcPr marL="28575" marR="28575" marT="19050" marB="19050" anchor="b">
+                    <a:lnL w="9525" cap="flat" cmpd="sng" algn="ctr">
+                      <a:solidFill>
+                        <a:srgbClr val="CCCCCC"/>
+                      </a:solidFill>
+                      <a:prstDash val="solid"/>
+                      <a:round/>
+                      <a:headEnd type="none" w="med" len="med"/>
+                      <a:tailEnd type="none" w="med" len="med"/>
+                    </a:lnL>
+                    <a:lnR w="9525" cap="flat" cmpd="sng" algn="ctr">
+                      <a:solidFill>
+                        <a:srgbClr val="CCCCCC"/>
+                      </a:solidFill>
+                      <a:prstDash val="solid"/>
+                      <a:round/>
+                      <a:headEnd type="none" w="med" len="med"/>
+                      <a:tailEnd type="none" w="med" len="med"/>
+                    </a:lnR>
+                    <a:lnT w="9525" cap="flat" cmpd="sng" algn="ctr">
+                      <a:solidFill>
+                        <a:srgbClr val="CCCCCC"/>
+                      </a:solidFill>
+                      <a:prstDash val="solid"/>
+                      <a:round/>
+                      <a:headEnd type="none" w="med" len="med"/>
+                      <a:tailEnd type="none" w="med" len="med"/>
+                    </a:lnT>
+                    <a:lnB w="9525" cap="flat" cmpd="sng" algn="ctr">
+                      <a:solidFill>
+                        <a:srgbClr val="CCCCCC"/>
+                      </a:solidFill>
+                      <a:prstDash val="solid"/>
+                      <a:round/>
+                      <a:headEnd type="none" w="med" len="med"/>
+                      <a:tailEnd type="none" w="med" len="med"/>
+                    </a:lnB>
+                  </a:tcPr>
+                </a:tc>
+                <a:tc>
+                  <a:txBody>
+                    <a:bodyPr/>
+                    <a:lstStyle/>
+                    <a:p>
+                      <a:pPr rtl="0" fontAlgn="b"/>
+                      <a:r>
+                        <a:rPr lang="en-US">
+                          <a:effectLst/>
+                        </a:rPr>
+                        <a:t>Angineh Parsadanians</a:t>
+                      </a:r>
+                    </a:p>
+                  </a:txBody>
+                  <a:tcPr marL="28575" marR="28575" marT="19050" marB="19050" anchor="b">
+                    <a:lnL w="9525" cap="flat" cmpd="sng" algn="ctr">
+                      <a:solidFill>
+                        <a:srgbClr val="CCCCCC"/>
+                      </a:solidFill>
+                      <a:prstDash val="solid"/>
+                      <a:round/>
+                      <a:headEnd type="none" w="med" len="med"/>
+                      <a:tailEnd type="none" w="med" len="med"/>
+                    </a:lnL>
+                    <a:lnR w="9525" cap="flat" cmpd="sng" algn="ctr">
+                      <a:solidFill>
+                        <a:srgbClr val="CCCCCC"/>
+                      </a:solidFill>
+                      <a:prstDash val="solid"/>
+                      <a:round/>
+                      <a:headEnd type="none" w="med" len="med"/>
+                      <a:tailEnd type="none" w="med" len="med"/>
+                    </a:lnR>
+                    <a:lnT w="9525" cap="flat" cmpd="sng" algn="ctr">
+                      <a:solidFill>
+                        <a:srgbClr val="CCCCCC"/>
+                      </a:solidFill>
+                      <a:prstDash val="solid"/>
+                      <a:round/>
+                      <a:headEnd type="none" w="med" len="med"/>
+                      <a:tailEnd type="none" w="med" len="med"/>
+                    </a:lnT>
+                    <a:lnB w="9525" cap="flat" cmpd="sng" algn="ctr">
+                      <a:solidFill>
+                        <a:srgbClr val="CCCCCC"/>
+                      </a:solidFill>
+                      <a:prstDash val="solid"/>
+                      <a:round/>
+                      <a:headEnd type="none" w="med" len="med"/>
+                      <a:tailEnd type="none" w="med" len="med"/>
+                    </a:lnB>
+                  </a:tcPr>
+                </a:tc>
+                <a:extLst>
+                  <a:ext uri="{0D108BD9-81ED-4DB2-BD59-A6C34878D82A}">
+                    <a16:rowId xmlns:a16="http://schemas.microsoft.com/office/drawing/2014/main" val="3419621362"/>
+                  </a:ext>
+                </a:extLst>
+              </a:tr>
+              <a:tr h="200025">
+                <a:tc>
+                  <a:txBody>
+                    <a:bodyPr/>
+                    <a:lstStyle/>
+                    <a:p>
+                      <a:pPr algn="r" rtl="0" fontAlgn="b"/>
+                      <a:r>
+                        <a:rPr lang="en-US" sz="1200" b="0">
+                          <a:effectLst/>
+                          <a:latin typeface="Calibri" panose="020F0502020204030204" pitchFamily="34" charset="0"/>
+                        </a:rPr>
+                        <a:t>3-May</a:t>
+                      </a:r>
+                    </a:p>
+                  </a:txBody>
+                  <a:tcPr marL="28575" marR="28575" marT="19050" marB="19050" anchor="b">
+                    <a:lnL w="9525" cap="flat" cmpd="sng" algn="ctr">
+                      <a:solidFill>
+                        <a:srgbClr val="CCCCCC"/>
+                      </a:solidFill>
+                      <a:prstDash val="solid"/>
+                      <a:round/>
+                      <a:headEnd type="none" w="med" len="med"/>
+                      <a:tailEnd type="none" w="med" len="med"/>
+                    </a:lnL>
+                    <a:lnR w="9525" cap="flat" cmpd="sng" algn="ctr">
+                      <a:solidFill>
+                        <a:srgbClr val="CCCCCC"/>
+                      </a:solidFill>
+                      <a:prstDash val="solid"/>
+                      <a:round/>
+                      <a:headEnd type="none" w="med" len="med"/>
+                      <a:tailEnd type="none" w="med" len="med"/>
+                    </a:lnR>
+                    <a:lnT w="9525" cap="flat" cmpd="sng" algn="ctr">
+                      <a:solidFill>
+                        <a:srgbClr val="CCCCCC"/>
+                      </a:solidFill>
+                      <a:prstDash val="solid"/>
+                      <a:round/>
+                      <a:headEnd type="none" w="med" len="med"/>
+                      <a:tailEnd type="none" w="med" len="med"/>
+                    </a:lnT>
+                    <a:lnB w="9525" cap="flat" cmpd="sng" algn="ctr">
+                      <a:solidFill>
+                        <a:srgbClr val="CCCCCC"/>
+                      </a:solidFill>
+                      <a:prstDash val="solid"/>
+                      <a:round/>
+                      <a:headEnd type="none" w="med" len="med"/>
+                      <a:tailEnd type="none" w="med" len="med"/>
+                    </a:lnB>
+                  </a:tcPr>
+                </a:tc>
+                <a:tc>
+                  <a:txBody>
+                    <a:bodyPr/>
+                    <a:lstStyle/>
+                    <a:p>
+                      <a:pPr rtl="0" fontAlgn="b"/>
+                      <a:r>
+                        <a:rPr lang="en-US">
+                          <a:effectLst/>
+                        </a:rPr>
+                        <a:t>Lena Patiño</a:t>
+                      </a:r>
+                    </a:p>
+                  </a:txBody>
+                  <a:tcPr marL="28575" marR="28575" marT="19050" marB="19050" anchor="b">
+                    <a:lnL w="9525" cap="flat" cmpd="sng" algn="ctr">
+                      <a:solidFill>
+                        <a:srgbClr val="CCCCCC"/>
+                      </a:solidFill>
+                      <a:prstDash val="solid"/>
+                      <a:round/>
+                      <a:headEnd type="none" w="med" len="med"/>
+                      <a:tailEnd type="none" w="med" len="med"/>
+                    </a:lnL>
+                    <a:lnR w="9525" cap="flat" cmpd="sng" algn="ctr">
+                      <a:solidFill>
+                        <a:srgbClr val="CCCCCC"/>
+                      </a:solidFill>
+                      <a:prstDash val="solid"/>
+                      <a:round/>
+                      <a:headEnd type="none" w="med" len="med"/>
+                      <a:tailEnd type="none" w="med" len="med"/>
+                    </a:lnR>
+                    <a:lnT w="9525" cap="flat" cmpd="sng" algn="ctr">
+                      <a:solidFill>
+                        <a:srgbClr val="CCCCCC"/>
+                      </a:solidFill>
+                      <a:prstDash val="solid"/>
+                      <a:round/>
+                      <a:headEnd type="none" w="med" len="med"/>
+                      <a:tailEnd type="none" w="med" len="med"/>
+                    </a:lnT>
+                    <a:lnB w="9525" cap="flat" cmpd="sng" algn="ctr">
+                      <a:solidFill>
+                        <a:srgbClr val="CCCCCC"/>
+                      </a:solidFill>
+                      <a:prstDash val="solid"/>
+                      <a:round/>
+                      <a:headEnd type="none" w="med" len="med"/>
+                      <a:tailEnd type="none" w="med" len="med"/>
+                    </a:lnB>
+                  </a:tcPr>
+                </a:tc>
+                <a:tc>
+                  <a:txBody>
+                    <a:bodyPr/>
+                    <a:lstStyle/>
+                    <a:p>
+                      <a:pPr rtl="0" fontAlgn="b"/>
+                      <a:r>
+                        <a:rPr lang="en-US" sz="1200" b="0">
+                          <a:effectLst/>
+                          <a:latin typeface="Calibri" panose="020F0502020204030204" pitchFamily="34" charset="0"/>
+                        </a:rPr>
+                        <a:t>Anindita</a:t>
+                      </a:r>
+                    </a:p>
+                  </a:txBody>
+                  <a:tcPr marL="28575" marR="28575" marT="19050" marB="19050" anchor="b">
+                    <a:lnL w="9525" cap="flat" cmpd="sng" algn="ctr">
+                      <a:solidFill>
+                        <a:srgbClr val="CCCCCC"/>
+                      </a:solidFill>
+                      <a:prstDash val="solid"/>
+                      <a:round/>
+                      <a:headEnd type="none" w="med" len="med"/>
+                      <a:tailEnd type="none" w="med" len="med"/>
+                    </a:lnL>
+                    <a:lnR w="9525" cap="flat" cmpd="sng" algn="ctr">
+                      <a:solidFill>
+                        <a:srgbClr val="CCCCCC"/>
+                      </a:solidFill>
+                      <a:prstDash val="solid"/>
+                      <a:round/>
+                      <a:headEnd type="none" w="med" len="med"/>
+                      <a:tailEnd type="none" w="med" len="med"/>
+                    </a:lnR>
+                    <a:lnT w="9525" cap="flat" cmpd="sng" algn="ctr">
+                      <a:solidFill>
+                        <a:srgbClr val="CCCCCC"/>
+                      </a:solidFill>
+                      <a:prstDash val="solid"/>
+                      <a:round/>
+                      <a:headEnd type="none" w="med" len="med"/>
+                      <a:tailEnd type="none" w="med" len="med"/>
+                    </a:lnT>
+                    <a:lnB w="9525" cap="flat" cmpd="sng" algn="ctr">
+                      <a:solidFill>
+                        <a:srgbClr val="CCCCCC"/>
+                      </a:solidFill>
+                      <a:prstDash val="solid"/>
+                      <a:round/>
+                      <a:headEnd type="none" w="med" len="med"/>
+                      <a:tailEnd type="none" w="med" len="med"/>
+                    </a:lnB>
+                  </a:tcPr>
+                </a:tc>
+                <a:tc>
+                  <a:txBody>
+                    <a:bodyPr/>
+                    <a:lstStyle/>
+                    <a:p>
+                      <a:pPr rtl="0" fontAlgn="b"/>
+                      <a:r>
+                        <a:rPr lang="en-US" sz="1200" b="0">
+                          <a:effectLst/>
+                          <a:latin typeface="Calibri" panose="020F0502020204030204" pitchFamily="34" charset="0"/>
+                        </a:rPr>
+                        <a:t>x</a:t>
+                      </a:r>
+                    </a:p>
+                  </a:txBody>
+                  <a:tcPr marL="28575" marR="28575" marT="19050" marB="19050" anchor="b">
+                    <a:lnL w="9525" cap="flat" cmpd="sng" algn="ctr">
+                      <a:solidFill>
+                        <a:srgbClr val="CCCCCC"/>
+                      </a:solidFill>
+                      <a:prstDash val="solid"/>
+                      <a:round/>
+                      <a:headEnd type="none" w="med" len="med"/>
+                      <a:tailEnd type="none" w="med" len="med"/>
+                    </a:lnL>
+                    <a:lnR w="9525" cap="flat" cmpd="sng" algn="ctr">
+                      <a:solidFill>
+                        <a:srgbClr val="CCCCCC"/>
+                      </a:solidFill>
+                      <a:prstDash val="solid"/>
+                      <a:round/>
+                      <a:headEnd type="none" w="med" len="med"/>
+                      <a:tailEnd type="none" w="med" len="med"/>
+                    </a:lnR>
+                    <a:lnT w="9525" cap="flat" cmpd="sng" algn="ctr">
+                      <a:solidFill>
+                        <a:srgbClr val="CCCCCC"/>
+                      </a:solidFill>
+                      <a:prstDash val="solid"/>
+                      <a:round/>
+                      <a:headEnd type="none" w="med" len="med"/>
+                      <a:tailEnd type="none" w="med" len="med"/>
+                    </a:lnT>
+                    <a:lnB w="9525" cap="flat" cmpd="sng" algn="ctr">
+                      <a:solidFill>
+                        <a:srgbClr val="CCCCCC"/>
+                      </a:solidFill>
+                      <a:prstDash val="solid"/>
+                      <a:round/>
+                      <a:headEnd type="none" w="med" len="med"/>
+                      <a:tailEnd type="none" w="med" len="med"/>
+                    </a:lnB>
+                  </a:tcPr>
+                </a:tc>
+                <a:tc>
+                  <a:txBody>
+                    <a:bodyPr/>
+                    <a:lstStyle/>
+                    <a:p>
+                      <a:pPr rtl="0" fontAlgn="b"/>
+                      <a:r>
+                        <a:rPr lang="en-US" sz="1200" b="0">
+                          <a:effectLst/>
+                          <a:latin typeface="Calibri" panose="020F0502020204030204" pitchFamily="34" charset="0"/>
+                        </a:rPr>
+                        <a:t>x</a:t>
+                      </a:r>
+                    </a:p>
+                  </a:txBody>
+                  <a:tcPr marL="28575" marR="28575" marT="19050" marB="19050" anchor="b">
+                    <a:lnL w="9525" cap="flat" cmpd="sng" algn="ctr">
+                      <a:solidFill>
+                        <a:srgbClr val="CCCCCC"/>
+                      </a:solidFill>
+                      <a:prstDash val="solid"/>
+                      <a:round/>
+                      <a:headEnd type="none" w="med" len="med"/>
+                      <a:tailEnd type="none" w="med" len="med"/>
+                    </a:lnL>
+                    <a:lnR w="9525" cap="flat" cmpd="sng" algn="ctr">
+                      <a:solidFill>
+                        <a:srgbClr val="CCCCCC"/>
+                      </a:solidFill>
+                      <a:prstDash val="solid"/>
+                      <a:round/>
+                      <a:headEnd type="none" w="med" len="med"/>
+                      <a:tailEnd type="none" w="med" len="med"/>
+                    </a:lnR>
+                    <a:lnT w="9525" cap="flat" cmpd="sng" algn="ctr">
+                      <a:solidFill>
+                        <a:srgbClr val="CCCCCC"/>
+                      </a:solidFill>
+                      <a:prstDash val="solid"/>
+                      <a:round/>
+                      <a:headEnd type="none" w="med" len="med"/>
+                      <a:tailEnd type="none" w="med" len="med"/>
+                    </a:lnT>
+                    <a:lnB w="9525" cap="flat" cmpd="sng" algn="ctr">
+                      <a:solidFill>
+                        <a:srgbClr val="CCCCCC"/>
+                      </a:solidFill>
+                      <a:prstDash val="solid"/>
+                      <a:round/>
+                      <a:headEnd type="none" w="med" len="med"/>
+                      <a:tailEnd type="none" w="med" len="med"/>
+                    </a:lnB>
+                  </a:tcPr>
+                </a:tc>
+                <a:tc>
+                  <a:txBody>
+                    <a:bodyPr/>
+                    <a:lstStyle/>
+                    <a:p>
+                      <a:pPr rtl="0" fontAlgn="b"/>
+                      <a:r>
+                        <a:rPr lang="en-US" dirty="0">
+                          <a:effectLst/>
+                        </a:rPr>
+                        <a:t>x</a:t>
+                      </a:r>
+                    </a:p>
+                  </a:txBody>
+                  <a:tcPr marL="28575" marR="28575" marT="19050" marB="19050" anchor="b">
+                    <a:lnL w="9525" cap="flat" cmpd="sng" algn="ctr">
+                      <a:solidFill>
+                        <a:srgbClr val="CCCCCC"/>
+                      </a:solidFill>
+                      <a:prstDash val="solid"/>
+                      <a:round/>
+                      <a:headEnd type="none" w="med" len="med"/>
+                      <a:tailEnd type="none" w="med" len="med"/>
+                    </a:lnL>
+                    <a:lnR w="9525" cap="flat" cmpd="sng" algn="ctr">
+                      <a:solidFill>
+                        <a:srgbClr val="CCCCCC"/>
+                      </a:solidFill>
+                      <a:prstDash val="solid"/>
+                      <a:round/>
+                      <a:headEnd type="none" w="med" len="med"/>
+                      <a:tailEnd type="none" w="med" len="med"/>
+                    </a:lnR>
+                    <a:lnT w="9525" cap="flat" cmpd="sng" algn="ctr">
+                      <a:solidFill>
+                        <a:srgbClr val="CCCCCC"/>
+                      </a:solidFill>
+                      <a:prstDash val="solid"/>
+                      <a:round/>
+                      <a:headEnd type="none" w="med" len="med"/>
+                      <a:tailEnd type="none" w="med" len="med"/>
+                    </a:lnT>
+                    <a:lnB w="9525" cap="flat" cmpd="sng" algn="ctr">
+                      <a:solidFill>
+                        <a:srgbClr val="CCCCCC"/>
+                      </a:solidFill>
+                      <a:prstDash val="solid"/>
+                      <a:round/>
+                      <a:headEnd type="none" w="med" len="med"/>
+                      <a:tailEnd type="none" w="med" len="med"/>
+                    </a:lnB>
+                  </a:tcPr>
+                </a:tc>
+                <a:extLst>
+                  <a:ext uri="{0D108BD9-81ED-4DB2-BD59-A6C34878D82A}">
+                    <a16:rowId xmlns:a16="http://schemas.microsoft.com/office/drawing/2014/main" val="4116234227"/>
+                  </a:ext>
+                </a:extLst>
+              </a:tr>
+            </a:tbl>
+          </a:graphicData>
+        </a:graphic>
+      </p:graphicFrame>
     </p:spTree>
     <p:extLst>
       <p:ext uri="{BB962C8B-B14F-4D97-AF65-F5344CB8AC3E}">
-        <p14:creationId xmlns:p14="http://schemas.microsoft.com/office/powerpoint/2010/main" val="3779505582"/>
+        <p14:creationId xmlns:p14="http://schemas.microsoft.com/office/powerpoint/2010/main" val="54558105"/>
       </p:ext>
     </p:extLst>
   </p:cSld>
@@ -3308,6 +5415,238 @@
       </p:grpSpPr>
       <p:sp>
         <p:nvSpPr>
+          <p:cNvPr id="2" name="Title 1">
+            <a:extLst>
+              <a:ext uri="{FF2B5EF4-FFF2-40B4-BE49-F238E27FC236}">
+                <a16:creationId xmlns:a16="http://schemas.microsoft.com/office/drawing/2014/main" id="{D23CC5D4-7773-297E-9CA9-DE6874CC05DB}"/>
+              </a:ext>
+            </a:extLst>
+          </p:cNvPr>
+          <p:cNvSpPr>
+            <a:spLocks noGrp="1"/>
+          </p:cNvSpPr>
+          <p:nvPr>
+            <p:ph type="title"/>
+          </p:nvPr>
+        </p:nvSpPr>
+        <p:spPr/>
+        <p:txBody>
+          <a:bodyPr/>
+          <a:lstStyle/>
+          <a:p>
+            <a:r>
+              <a:rPr lang="en-US" dirty="0"/>
+              <a:t>Final Presentation Quick Q &amp; A</a:t>
+            </a:r>
+          </a:p>
+        </p:txBody>
+      </p:sp>
+      <p:sp>
+        <p:nvSpPr>
+          <p:cNvPr id="3" name="Content Placeholder 2">
+            <a:extLst>
+              <a:ext uri="{FF2B5EF4-FFF2-40B4-BE49-F238E27FC236}">
+                <a16:creationId xmlns:a16="http://schemas.microsoft.com/office/drawing/2014/main" id="{2AFAF419-B35D-21DF-0F98-BA3A76CC5180}"/>
+              </a:ext>
+            </a:extLst>
+          </p:cNvPr>
+          <p:cNvSpPr>
+            <a:spLocks noGrp="1"/>
+          </p:cNvSpPr>
+          <p:nvPr>
+            <p:ph idx="1"/>
+          </p:nvPr>
+        </p:nvSpPr>
+        <p:spPr/>
+        <p:txBody>
+          <a:bodyPr/>
+          <a:lstStyle/>
+          <a:p>
+            <a:r>
+              <a:rPr lang="en-US" dirty="0"/>
+              <a:t>11 min + 2 min for questions</a:t>
+            </a:r>
+          </a:p>
+          <a:p>
+            <a:r>
+              <a:rPr lang="en-US" dirty="0"/>
+              <a:t>Please read assignment directions </a:t>
+            </a:r>
+            <a:r>
+              <a:rPr lang="en-US" b="1" dirty="0"/>
+              <a:t>carefully</a:t>
+            </a:r>
+          </a:p>
+          <a:p>
+            <a:endParaRPr lang="en-US" b="1" dirty="0"/>
+          </a:p>
+          <a:p>
+            <a:r>
+              <a:rPr lang="en-US" dirty="0"/>
+              <a:t>All final materials due Apr 23</a:t>
+            </a:r>
+          </a:p>
+          <a:p>
+            <a:endParaRPr lang="en-US" dirty="0"/>
+          </a:p>
+          <a:p>
+            <a:r>
+              <a:rPr lang="en-US" dirty="0"/>
+              <a:t>Send your presentation ahead of time or come with it on a USB 10 min early to class</a:t>
+            </a:r>
+          </a:p>
+        </p:txBody>
+      </p:sp>
+    </p:spTree>
+    <p:extLst>
+      <p:ext uri="{BB962C8B-B14F-4D97-AF65-F5344CB8AC3E}">
+        <p14:creationId xmlns:p14="http://schemas.microsoft.com/office/powerpoint/2010/main" val="3527642166"/>
+      </p:ext>
+    </p:extLst>
+  </p:cSld>
+  <p:clrMapOvr>
+    <a:masterClrMapping/>
+  </p:clrMapOvr>
+</p:sld>
+</file>
+
+<file path=ppt/slides/slide5.xml><?xml version="1.0" encoding="utf-8"?>
+<p:sld xmlns:a="http://schemas.openxmlformats.org/drawingml/2006/main" xmlns:r="http://schemas.openxmlformats.org/officeDocument/2006/relationships" xmlns:p="http://schemas.openxmlformats.org/presentationml/2006/main" show="0">
+  <p:cSld>
+    <p:spTree>
+      <p:nvGrpSpPr>
+        <p:cNvPr id="1" name=""/>
+        <p:cNvGrpSpPr/>
+        <p:nvPr/>
+      </p:nvGrpSpPr>
+      <p:grpSpPr>
+        <a:xfrm>
+          <a:off x="0" y="0"/>
+          <a:ext cx="0" cy="0"/>
+          <a:chOff x="0" y="0"/>
+          <a:chExt cx="0" cy="0"/>
+        </a:xfrm>
+      </p:grpSpPr>
+      <p:sp>
+        <p:nvSpPr>
+          <p:cNvPr id="2" name="Title 1">
+            <a:extLst>
+              <a:ext uri="{FF2B5EF4-FFF2-40B4-BE49-F238E27FC236}">
+                <a16:creationId xmlns:a16="http://schemas.microsoft.com/office/drawing/2014/main" id="{821AE047-3A37-1C48-B6ED-8CF17E084914}"/>
+              </a:ext>
+            </a:extLst>
+          </p:cNvPr>
+          <p:cNvSpPr>
+            <a:spLocks noGrp="1"/>
+          </p:cNvSpPr>
+          <p:nvPr>
+            <p:ph type="title"/>
+          </p:nvPr>
+        </p:nvSpPr>
+        <p:spPr/>
+        <p:txBody>
+          <a:bodyPr/>
+          <a:lstStyle/>
+          <a:p>
+            <a:r>
+              <a:rPr lang="en-US" dirty="0"/>
+              <a:t>Suggested timeline</a:t>
+            </a:r>
+          </a:p>
+        </p:txBody>
+      </p:sp>
+      <p:sp>
+        <p:nvSpPr>
+          <p:cNvPr id="3" name="Content Placeholder 2">
+            <a:extLst>
+              <a:ext uri="{FF2B5EF4-FFF2-40B4-BE49-F238E27FC236}">
+                <a16:creationId xmlns:a16="http://schemas.microsoft.com/office/drawing/2014/main" id="{65C2D9FF-6B45-C34F-9D4F-CD4AA1024520}"/>
+              </a:ext>
+            </a:extLst>
+          </p:cNvPr>
+          <p:cNvSpPr>
+            <a:spLocks noGrp="1"/>
+          </p:cNvSpPr>
+          <p:nvPr>
+            <p:ph idx="1"/>
+          </p:nvPr>
+        </p:nvSpPr>
+        <p:spPr/>
+        <p:txBody>
+          <a:bodyPr>
+            <a:normAutofit lnSpcReduction="10000"/>
+          </a:bodyPr>
+          <a:lstStyle/>
+          <a:p>
+            <a:r>
+              <a:rPr lang="en-US" dirty="0"/>
+              <a:t>Week 10 (Last week): Begin crafting analysis to include in your results section; possibly from your assignments</a:t>
+            </a:r>
+          </a:p>
+          <a:p>
+            <a:r>
+              <a:rPr lang="en-US" dirty="0"/>
+              <a:t>Week 11: Start drafting results (figures, captions), outline text for other sections</a:t>
+            </a:r>
+          </a:p>
+          <a:p>
+            <a:r>
+              <a:rPr lang="en-US" dirty="0"/>
+              <a:t>Week 12 (next week): hand in plan for final project on Tuesday; finish graphs and draft abstract</a:t>
+            </a:r>
+          </a:p>
+          <a:p>
+            <a:r>
+              <a:rPr lang="en-US" dirty="0"/>
+              <a:t>Week 13: finalize content you want for peer review, reach out to Kate if you need help</a:t>
+            </a:r>
+          </a:p>
+          <a:p>
+            <a:r>
+              <a:rPr lang="en-US" dirty="0"/>
+              <a:t>Week 14: Integrate comments from peer review and finalize draft</a:t>
+            </a:r>
+          </a:p>
+          <a:p>
+            <a:r>
+              <a:rPr lang="en-US" dirty="0"/>
+              <a:t>Week 15: hand in final project on Wednesday</a:t>
+            </a:r>
+          </a:p>
+        </p:txBody>
+      </p:sp>
+    </p:spTree>
+    <p:extLst>
+      <p:ext uri="{BB962C8B-B14F-4D97-AF65-F5344CB8AC3E}">
+        <p14:creationId xmlns:p14="http://schemas.microsoft.com/office/powerpoint/2010/main" val="3779505582"/>
+      </p:ext>
+    </p:extLst>
+  </p:cSld>
+  <p:clrMapOvr>
+    <a:masterClrMapping/>
+  </p:clrMapOvr>
+</p:sld>
+</file>
+
+<file path=ppt/slides/slide6.xml><?xml version="1.0" encoding="utf-8"?>
+<p:sld xmlns:a="http://schemas.openxmlformats.org/drawingml/2006/main" xmlns:r="http://schemas.openxmlformats.org/officeDocument/2006/relationships" xmlns:p="http://schemas.openxmlformats.org/presentationml/2006/main">
+  <p:cSld>
+    <p:spTree>
+      <p:nvGrpSpPr>
+        <p:cNvPr id="1" name=""/>
+        <p:cNvGrpSpPr/>
+        <p:nvPr/>
+      </p:nvGrpSpPr>
+      <p:grpSpPr>
+        <a:xfrm>
+          <a:off x="0" y="0"/>
+          <a:ext cx="0" cy="0"/>
+          <a:chOff x="0" y="0"/>
+          <a:chExt cx="0" cy="0"/>
+        </a:xfrm>
+      </p:grpSpPr>
+      <p:sp>
+        <p:nvSpPr>
           <p:cNvPr id="2" name="Title 1"/>
           <p:cNvSpPr>
             <a:spLocks noGrp="1"/>
@@ -3377,7 +5716,7 @@
             </a:pPr>
             <a:r>
               <a:rPr lang="en-US" dirty="0"/>
-              <a:t>Explain what the results are telling you for each approach.</a:t>
+              <a:t>Explain what the results are telling you for each approach. Annotate your code! Should note whether they all agree.</a:t>
             </a:r>
           </a:p>
           <a:p>
@@ -3392,7 +5731,7 @@
             </a:pPr>
             <a:r>
               <a:rPr lang="en-US" dirty="0"/>
-              <a:t>Include a synthesis statement on how the output of each approach is similar or different in your code. Remember to update your README and annotate your code.</a:t>
+              <a:t>Include a second results statement on the output of at least one approach  with your GLM results statement. Remember to update your README and annotate your code.</a:t>
             </a:r>
             <a:br>
               <a:rPr lang="en-US" dirty="0"/>
